--- a/Enunciado e modelos/Orientação e Modelo para a Apresentação para a Banca/Apresentacao_projeto_arquitetural_TCC.pptx
+++ b/Enunciado e modelos/Orientação e Modelo para a Apresentação para a Banca/Apresentacao_projeto_arquitetural_TCC.pptx
@@ -282,7 +282,7 @@
               <a:pPr>
                 <a:defRPr/>
               </a:pPr>
-              <a:t>02/10/2017</a:t>
+              <a:t>01/07/2019</a:t>
             </a:fld>
             <a:endParaRPr lang="pt-BR"/>
           </a:p>
@@ -470,7 +470,7 @@
               <a:pPr>
                 <a:defRPr/>
               </a:pPr>
-              <a:t>02/10/2017</a:t>
+              <a:t>01/07/2019</a:t>
             </a:fld>
             <a:endParaRPr lang="pt-BR"/>
           </a:p>
@@ -1778,7 +1778,7 @@
         <p:spPr bwMode="auto">
           <a:xfrm>
             <a:off x="0" y="4598988"/>
-            <a:ext cx="9144000" cy="477837"/>
+            <a:ext cx="9144000" cy="861774"/>
           </a:xfrm>
           <a:prstGeom prst="rect">
             <a:avLst/>
@@ -1789,14 +1789,14 @@
           </a:ln>
           <a:extLst>
             <a:ext uri="{909E8E84-426E-40dd-AFC4-6F175D3DCCD1}">
-              <a14:hiddenFill xmlns:a14="http://schemas.microsoft.com/office/drawing/2010/main" xmlns="">
+              <a14:hiddenFill xmlns="" xmlns:a14="http://schemas.microsoft.com/office/drawing/2010/main">
                 <a:solidFill>
                   <a:srgbClr val="FFFFFF"/>
                 </a:solidFill>
               </a14:hiddenFill>
             </a:ext>
             <a:ext uri="{91240B29-F687-4f45-9708-019B960494DF}">
-              <a14:hiddenLine xmlns:a14="http://schemas.microsoft.com/office/drawing/2010/main" xmlns="" w="9525">
+              <a14:hiddenLine xmlns="" xmlns:a14="http://schemas.microsoft.com/office/drawing/2010/main" w="9525">
                 <a:solidFill>
                   <a:srgbClr val="000000"/>
                 </a:solidFill>
@@ -1912,7 +1912,7 @@
           <a:p>
             <a:pPr algn="ctr" eaLnBrk="1" hangingPunct="1"/>
             <a:r>
-              <a:rPr lang="pt-BR" altLang="pt-BR" sz="2500" b="1">
+              <a:rPr lang="pt-BR" altLang="pt-BR" sz="2500" b="1" dirty="0">
                 <a:solidFill>
                   <a:srgbClr val="314B4D"/>
                 </a:solidFill>
@@ -1920,8 +1920,27 @@
                 <a:ea typeface="Calibri" charset="0"/>
                 <a:cs typeface="Calibri" charset="0"/>
               </a:rPr>
-              <a:t>Nome do autor  / Orientador(a): (fonte Calibri, tamanho 25) </a:t>
-            </a:r>
+              <a:t>Nome do autor  / Orientador(a): </a:t>
+            </a:r>
+            <a:r>
+              <a:rPr lang="pt-BR" altLang="pt-BR" sz="2500" b="1" dirty="0" smtClean="0">
+                <a:solidFill>
+                  <a:srgbClr val="314B4D"/>
+                </a:solidFill>
+                <a:latin typeface="Calibri" charset="0"/>
+                <a:ea typeface="Calibri" charset="0"/>
+                <a:cs typeface="Calibri" charset="0"/>
+              </a:rPr>
+              <a:t>Diego Villela Prado / Renata Kelly Rodrigues Pinto Vilaça </a:t>
+            </a:r>
+            <a:endParaRPr lang="pt-BR" altLang="pt-BR" sz="2500" b="1" dirty="0">
+              <a:solidFill>
+                <a:srgbClr val="314B4D"/>
+              </a:solidFill>
+              <a:latin typeface="Calibri" charset="0"/>
+              <a:ea typeface="Calibri" charset="0"/>
+              <a:cs typeface="Calibri" charset="0"/>
+            </a:endParaRPr>
           </a:p>
         </p:txBody>
       </p:sp>
@@ -2009,60 +2028,32 @@
               <a:defRPr/>
             </a:pPr>
             <a:r>
-              <a:rPr lang="pt-BR" sz="3400" b="1" dirty="0">
+              <a:rPr lang="pt-BR" sz="3400" b="1" dirty="0" err="1" smtClean="0">
                 <a:solidFill>
                   <a:srgbClr val="314B4D"/>
                 </a:solidFill>
                 <a:latin typeface="Calibri" pitchFamily="34" charset="0"/>
                 <a:cs typeface="Calibri" pitchFamily="34" charset="0"/>
               </a:rPr>
-              <a:t>TÍTULO DO TRABALHO</a:t>
-            </a:r>
-            <a:br>
-              <a:rPr lang="pt-BR" sz="3400" b="1" dirty="0">
+              <a:t>Ship</a:t>
+            </a:r>
+            <a:r>
+              <a:rPr lang="pt-BR" sz="3400" b="1" dirty="0" smtClean="0">
                 <a:solidFill>
                   <a:srgbClr val="314B4D"/>
                 </a:solidFill>
                 <a:latin typeface="Calibri" pitchFamily="34" charset="0"/>
                 <a:cs typeface="Calibri" pitchFamily="34" charset="0"/>
               </a:rPr>
-            </a:br>
-            <a:r>
-              <a:rPr lang="pt-BR" sz="3400" b="1" dirty="0">
-                <a:solidFill>
-                  <a:srgbClr val="314B4D"/>
-                </a:solidFill>
-                <a:latin typeface="Calibri" pitchFamily="34" charset="0"/>
-                <a:cs typeface="Calibri" pitchFamily="34" charset="0"/>
-              </a:rPr>
-              <a:t>(fonte </a:t>
-            </a:r>
-            <a:r>
-              <a:rPr lang="pt-BR" sz="3400" b="1" dirty="0" err="1">
-                <a:solidFill>
-                  <a:srgbClr val="314B4D"/>
-                </a:solidFill>
-                <a:latin typeface="Calibri" pitchFamily="34" charset="0"/>
-                <a:cs typeface="Calibri" pitchFamily="34" charset="0"/>
-              </a:rPr>
-              <a:t>Calibri</a:t>
-            </a:r>
-            <a:r>
-              <a:rPr lang="pt-BR" sz="3400" b="1" dirty="0">
-                <a:solidFill>
-                  <a:srgbClr val="314B4D"/>
-                </a:solidFill>
-                <a:latin typeface="Calibri" pitchFamily="34" charset="0"/>
-                <a:cs typeface="Calibri" pitchFamily="34" charset="0"/>
-              </a:rPr>
-              <a:t>, tamanho 34)</a:t>
-            </a:r>
-          </a:p>
-          <a:p>
-            <a:pPr algn="ctr">
-              <a:defRPr/>
-            </a:pPr>
-            <a:endParaRPr lang="pt-BR" dirty="0"/>
+              <a:t> Shop Market</a:t>
+            </a:r>
+            <a:endParaRPr lang="pt-BR" sz="3400" b="1" dirty="0">
+              <a:solidFill>
+                <a:srgbClr val="314B4D"/>
+              </a:solidFill>
+              <a:latin typeface="Calibri" pitchFamily="34" charset="0"/>
+              <a:cs typeface="Calibri" pitchFamily="34" charset="0"/>
+            </a:endParaRPr>
           </a:p>
         </p:txBody>
       </p:sp>
@@ -2071,6 +2062,13 @@
   <p:clrMapOvr>
     <a:masterClrMapping/>
   </p:clrMapOvr>
+  <p:timing>
+    <p:tnLst>
+      <p:par>
+        <p:cTn id="1" dur="indefinite" restart="never" nodeType="tmRoot"/>
+      </p:par>
+    </p:tnLst>
+  </p:timing>
 </p:sld>
 </file>
 
@@ -2170,14 +2168,14 @@
           </a:ln>
           <a:extLst>
             <a:ext uri="{909E8E84-426E-40dd-AFC4-6F175D3DCCD1}">
-              <a14:hiddenFill xmlns:a14="http://schemas.microsoft.com/office/drawing/2010/main" xmlns="">
+              <a14:hiddenFill xmlns="" xmlns:a14="http://schemas.microsoft.com/office/drawing/2010/main">
                 <a:solidFill>
                   <a:srgbClr val="FFFFFF"/>
                 </a:solidFill>
               </a14:hiddenFill>
             </a:ext>
             <a:ext uri="{91240B29-F687-4f45-9708-019B960494DF}">
-              <a14:hiddenLine xmlns:a14="http://schemas.microsoft.com/office/drawing/2010/main" xmlns="" w="9525">
+              <a14:hiddenLine xmlns="" xmlns:a14="http://schemas.microsoft.com/office/drawing/2010/main" w="9525">
                 <a:solidFill>
                   <a:srgbClr val="000000"/>
                 </a:solidFill>
@@ -2326,14 +2324,14 @@
           <a:effectLst/>
           <a:extLst>
             <a:ext uri="{909E8E84-426E-40dd-AFC4-6F175D3DCCD1}">
-              <a14:hiddenFill xmlns:a14="http://schemas.microsoft.com/office/drawing/2010/main" xmlns="">
+              <a14:hiddenFill xmlns="" xmlns:a14="http://schemas.microsoft.com/office/drawing/2010/main">
                 <a:solidFill>
                   <a:schemeClr val="accent1"/>
                 </a:solidFill>
               </a14:hiddenFill>
             </a:ext>
             <a:ext uri="{91240B29-F687-4f45-9708-019B960494DF}">
-              <a14:hiddenLine xmlns:a14="http://schemas.microsoft.com/office/drawing/2010/main" xmlns="" w="9525" algn="ctr">
+              <a14:hiddenLine xmlns="" xmlns:a14="http://schemas.microsoft.com/office/drawing/2010/main" w="9525" algn="ctr">
                 <a:solidFill>
                   <a:schemeClr val="tx1"/>
                 </a:solidFill>
@@ -2343,7 +2341,7 @@
               </a14:hiddenLine>
             </a:ext>
             <a:ext uri="{AF507438-7753-43e0-B8FC-AC1667EBCBE1}">
-              <a14:hiddenEffects xmlns:a14="http://schemas.microsoft.com/office/drawing/2010/main" xmlns="">
+              <a14:hiddenEffects xmlns="" xmlns:a14="http://schemas.microsoft.com/office/drawing/2010/main">
                 <a:effectLst>
                   <a:outerShdw dist="35921" dir="2700000" algn="ctr" rotWithShape="0">
                     <a:schemeClr val="bg2"/>
@@ -2370,7 +2368,7 @@
               <a:defRPr/>
             </a:pPr>
             <a:r>
-              <a:rPr lang="pt-BR" sz="2300" b="1" dirty="0">
+              <a:rPr lang="pt-BR" sz="2300" b="1" dirty="0" smtClean="0">
                 <a:solidFill>
                   <a:schemeClr val="tx1">
                     <a:lumMod val="75000"/>
@@ -2379,31 +2377,7 @@
                 </a:solidFill>
                 <a:latin typeface="Calibri" pitchFamily="34" charset="0"/>
               </a:rPr>
-              <a:t>Apresentação dos cenários de avaliação e limitações ou riscos da arquitetura (fonte </a:t>
-            </a:r>
-            <a:r>
-              <a:rPr lang="pt-BR" sz="2300" b="1" dirty="0" err="1">
-                <a:solidFill>
-                  <a:schemeClr val="tx1">
-                    <a:lumMod val="75000"/>
-                    <a:lumOff val="25000"/>
-                  </a:schemeClr>
-                </a:solidFill>
-                <a:latin typeface="Calibri" pitchFamily="34" charset="0"/>
-              </a:rPr>
-              <a:t>Calibri</a:t>
-            </a:r>
-            <a:r>
-              <a:rPr lang="pt-BR" sz="2300" b="1" dirty="0">
-                <a:solidFill>
-                  <a:schemeClr val="tx1">
-                    <a:lumMod val="75000"/>
-                    <a:lumOff val="25000"/>
-                  </a:schemeClr>
-                </a:solidFill>
-                <a:latin typeface="Calibri" pitchFamily="34" charset="0"/>
-              </a:rPr>
-              <a:t>, tamanho 23)</a:t>
+              <a:t>Cenário 1: Interoperabilidade</a:t>
             </a:r>
           </a:p>
           <a:p>
@@ -2420,7 +2394,7 @@
               <a:defRPr/>
             </a:pPr>
             <a:r>
-              <a:rPr lang="pt-BR" sz="2300" b="1" dirty="0">
+              <a:rPr lang="pt-BR" sz="2300" b="1" dirty="0" smtClean="0">
                 <a:solidFill>
                   <a:schemeClr val="tx1">
                     <a:lumMod val="75000"/>
@@ -2429,7 +2403,164 @@
                 </a:solidFill>
                 <a:latin typeface="Calibri" pitchFamily="34" charset="0"/>
               </a:rPr>
-              <a:t>Duração: 1’00”</a:t>
+              <a:t>Cenário 2: Usabilidade</a:t>
+            </a:r>
+          </a:p>
+          <a:p>
+            <a:pPr>
+              <a:lnSpc>
+                <a:spcPts val="2800"/>
+              </a:lnSpc>
+              <a:spcBef>
+                <a:spcPts val="400"/>
+              </a:spcBef>
+              <a:spcAft>
+                <a:spcPts val="400"/>
+              </a:spcAft>
+              <a:defRPr/>
+            </a:pPr>
+            <a:r>
+              <a:rPr lang="pt-BR" sz="2300" b="1" dirty="0" smtClean="0">
+                <a:solidFill>
+                  <a:schemeClr val="tx1">
+                    <a:lumMod val="75000"/>
+                    <a:lumOff val="25000"/>
+                  </a:schemeClr>
+                </a:solidFill>
+                <a:latin typeface="Calibri" pitchFamily="34" charset="0"/>
+              </a:rPr>
+              <a:t>Cenário 3: Acessibilidade</a:t>
+            </a:r>
+          </a:p>
+          <a:p>
+            <a:pPr>
+              <a:lnSpc>
+                <a:spcPts val="2800"/>
+              </a:lnSpc>
+              <a:spcBef>
+                <a:spcPts val="400"/>
+              </a:spcBef>
+              <a:spcAft>
+                <a:spcPts val="400"/>
+              </a:spcAft>
+              <a:defRPr/>
+            </a:pPr>
+            <a:r>
+              <a:rPr lang="pt-BR" sz="2300" b="1" dirty="0" smtClean="0">
+                <a:solidFill>
+                  <a:schemeClr val="tx1">
+                    <a:lumMod val="75000"/>
+                    <a:lumOff val="25000"/>
+                  </a:schemeClr>
+                </a:solidFill>
+                <a:latin typeface="Calibri" pitchFamily="34" charset="0"/>
+              </a:rPr>
+              <a:t>Cenário 4: </a:t>
+            </a:r>
+            <a:r>
+              <a:rPr lang="pt-BR" sz="2300" b="1" dirty="0" err="1" smtClean="0">
+                <a:solidFill>
+                  <a:schemeClr val="tx1">
+                    <a:lumMod val="75000"/>
+                    <a:lumOff val="25000"/>
+                  </a:schemeClr>
+                </a:solidFill>
+                <a:latin typeface="Calibri" pitchFamily="34" charset="0"/>
+              </a:rPr>
+              <a:t>Manutenibilidade</a:t>
+            </a:r>
+            <a:endParaRPr lang="pt-BR" sz="2300" b="1" dirty="0" smtClean="0">
+              <a:solidFill>
+                <a:schemeClr val="tx1">
+                  <a:lumMod val="75000"/>
+                  <a:lumOff val="25000"/>
+                </a:schemeClr>
+              </a:solidFill>
+              <a:latin typeface="Calibri" pitchFamily="34" charset="0"/>
+            </a:endParaRPr>
+          </a:p>
+          <a:p>
+            <a:pPr>
+              <a:lnSpc>
+                <a:spcPts val="2800"/>
+              </a:lnSpc>
+              <a:spcBef>
+                <a:spcPts val="400"/>
+              </a:spcBef>
+              <a:spcAft>
+                <a:spcPts val="400"/>
+              </a:spcAft>
+              <a:defRPr/>
+            </a:pPr>
+            <a:endParaRPr lang="pt-BR" sz="2300" b="1" dirty="0">
+              <a:solidFill>
+                <a:schemeClr val="tx1">
+                  <a:lumMod val="75000"/>
+                  <a:lumOff val="25000"/>
+                </a:schemeClr>
+              </a:solidFill>
+              <a:latin typeface="Calibri" pitchFamily="34" charset="0"/>
+            </a:endParaRPr>
+          </a:p>
+          <a:p>
+            <a:pPr>
+              <a:lnSpc>
+                <a:spcPts val="2800"/>
+              </a:lnSpc>
+              <a:spcBef>
+                <a:spcPts val="400"/>
+              </a:spcBef>
+              <a:spcAft>
+                <a:spcPts val="400"/>
+              </a:spcAft>
+              <a:defRPr/>
+            </a:pPr>
+            <a:endParaRPr lang="pt-BR" sz="2300" b="1" dirty="0" smtClean="0">
+              <a:solidFill>
+                <a:schemeClr val="tx1">
+                  <a:lumMod val="75000"/>
+                  <a:lumOff val="25000"/>
+                </a:schemeClr>
+              </a:solidFill>
+              <a:latin typeface="Calibri" pitchFamily="34" charset="0"/>
+            </a:endParaRPr>
+          </a:p>
+          <a:p>
+            <a:pPr>
+              <a:lnSpc>
+                <a:spcPts val="2800"/>
+              </a:lnSpc>
+              <a:spcBef>
+                <a:spcPts val="400"/>
+              </a:spcBef>
+              <a:spcAft>
+                <a:spcPts val="400"/>
+              </a:spcAft>
+              <a:defRPr/>
+            </a:pPr>
+            <a:r>
+              <a:rPr lang="pt-BR" sz="2300" b="1" dirty="0" smtClean="0">
+                <a:solidFill>
+                  <a:schemeClr val="tx1">
+                    <a:lumMod val="75000"/>
+                    <a:lumOff val="25000"/>
+                  </a:schemeClr>
+                </a:solidFill>
+                <a:latin typeface="Calibri" pitchFamily="34" charset="0"/>
+              </a:rPr>
+              <a:t>Duração</a:t>
+            </a:r>
+            <a:r>
+              <a:rPr lang="pt-BR" sz="2300" b="1" dirty="0">
+                <a:solidFill>
+                  <a:schemeClr val="tx1">
+                    <a:lumMod val="75000"/>
+                    <a:lumOff val="25000"/>
+                  </a:schemeClr>
+                </a:solidFill>
+                <a:latin typeface="Calibri" pitchFamily="34" charset="0"/>
+              </a:rPr>
+              <a:t>: 1’00”</a:t>
             </a:r>
             <a:r>
               <a:rPr lang="pt-BR" sz="2000" b="1" dirty="0">
@@ -2517,14 +2648,14 @@
           </a:ln>
           <a:extLst>
             <a:ext uri="{909E8E84-426E-40dd-AFC4-6F175D3DCCD1}">
-              <a14:hiddenFill xmlns:a14="http://schemas.microsoft.com/office/drawing/2010/main" xmlns="">
+              <a14:hiddenFill xmlns="" xmlns:a14="http://schemas.microsoft.com/office/drawing/2010/main">
                 <a:solidFill>
                   <a:srgbClr val="FFFFFF"/>
                 </a:solidFill>
               </a14:hiddenFill>
             </a:ext>
             <a:ext uri="{91240B29-F687-4f45-9708-019B960494DF}">
-              <a14:hiddenLine xmlns:a14="http://schemas.microsoft.com/office/drawing/2010/main" xmlns="" w="9525">
+              <a14:hiddenLine xmlns="" xmlns:a14="http://schemas.microsoft.com/office/drawing/2010/main" w="9525">
                 <a:solidFill>
                   <a:srgbClr val="000000"/>
                 </a:solidFill>
@@ -2680,6 +2811,13 @@
   <p:clrMapOvr>
     <a:masterClrMapping/>
   </p:clrMapOvr>
+  <p:timing>
+    <p:tnLst>
+      <p:par>
+        <p:cTn id="1" dur="indefinite" restart="never" nodeType="tmRoot"/>
+      </p:par>
+    </p:tnLst>
+  </p:timing>
 </p:sld>
 </file>
 
@@ -2779,14 +2917,14 @@
           </a:ln>
           <a:extLst>
             <a:ext uri="{909E8E84-426E-40dd-AFC4-6F175D3DCCD1}">
-              <a14:hiddenFill xmlns:a14="http://schemas.microsoft.com/office/drawing/2010/main" xmlns="">
+              <a14:hiddenFill xmlns="" xmlns:a14="http://schemas.microsoft.com/office/drawing/2010/main">
                 <a:solidFill>
                   <a:srgbClr val="FFFFFF"/>
                 </a:solidFill>
               </a14:hiddenFill>
             </a:ext>
             <a:ext uri="{91240B29-F687-4f45-9708-019B960494DF}">
-              <a14:hiddenLine xmlns:a14="http://schemas.microsoft.com/office/drawing/2010/main" xmlns="" w="9525">
+              <a14:hiddenLine xmlns="" xmlns:a14="http://schemas.microsoft.com/office/drawing/2010/main" w="9525">
                 <a:solidFill>
                   <a:srgbClr val="000000"/>
                 </a:solidFill>
@@ -2935,14 +3073,14 @@
           <a:effectLst/>
           <a:extLst>
             <a:ext uri="{909E8E84-426E-40dd-AFC4-6F175D3DCCD1}">
-              <a14:hiddenFill xmlns:a14="http://schemas.microsoft.com/office/drawing/2010/main" xmlns="">
+              <a14:hiddenFill xmlns="" xmlns:a14="http://schemas.microsoft.com/office/drawing/2010/main">
                 <a:solidFill>
                   <a:schemeClr val="accent1"/>
                 </a:solidFill>
               </a14:hiddenFill>
             </a:ext>
             <a:ext uri="{91240B29-F687-4f45-9708-019B960494DF}">
-              <a14:hiddenLine xmlns:a14="http://schemas.microsoft.com/office/drawing/2010/main" xmlns="" w="9525" algn="ctr">
+              <a14:hiddenLine xmlns="" xmlns:a14="http://schemas.microsoft.com/office/drawing/2010/main" w="9525" algn="ctr">
                 <a:solidFill>
                   <a:schemeClr val="tx1"/>
                 </a:solidFill>
@@ -2952,7 +3090,7 @@
               </a14:hiddenLine>
             </a:ext>
             <a:ext uri="{AF507438-7753-43e0-B8FC-AC1667EBCBE1}">
-              <a14:hiddenEffects xmlns:a14="http://schemas.microsoft.com/office/drawing/2010/main" xmlns="">
+              <a14:hiddenEffects xmlns="" xmlns:a14="http://schemas.microsoft.com/office/drawing/2010/main">
                 <a:effectLst>
                   <a:outerShdw dist="35921" dir="2700000" algn="ctr" rotWithShape="0">
                     <a:schemeClr val="bg2"/>
@@ -2966,54 +3104,81 @@
           <a:bodyPr/>
           <a:lstStyle/>
           <a:p>
-            <a:pPr>
-              <a:lnSpc>
-                <a:spcPts val="2800"/>
-              </a:lnSpc>
-              <a:spcBef>
-                <a:spcPts val="400"/>
-              </a:spcBef>
-              <a:spcAft>
-                <a:spcPts val="400"/>
-              </a:spcAft>
-              <a:defRPr/>
-            </a:pPr>
+            <a:r>
+              <a:rPr lang="pt-BR" sz="2300" b="1" dirty="0" smtClean="0">
+                <a:latin typeface="Calibri" panose="020F0502020204030204" pitchFamily="34" charset="0"/>
+                <a:cs typeface="Calibri" panose="020F0502020204030204" pitchFamily="34" charset="0"/>
+              </a:rPr>
+              <a:t>Este </a:t>
+            </a:r>
             <a:r>
               <a:rPr lang="pt-BR" sz="2300" b="1" dirty="0">
-                <a:solidFill>
-                  <a:schemeClr val="tx1">
-                    <a:lumMod val="75000"/>
-                    <a:lumOff val="25000"/>
-                  </a:schemeClr>
-                </a:solidFill>
-                <a:latin typeface="Calibri" pitchFamily="34" charset="0"/>
+                <a:latin typeface="Calibri" panose="020F0502020204030204" pitchFamily="34" charset="0"/>
+                <a:cs typeface="Calibri" panose="020F0502020204030204" pitchFamily="34" charset="0"/>
               </a:rPr>
-              <a:t>Apresentação das conclusões (fonte </a:t>
+              <a:t>trabalho apresentou um protótipo arquitetural de um –</a:t>
             </a:r>
             <a:r>
               <a:rPr lang="pt-BR" sz="2300" b="1" dirty="0" err="1">
-                <a:solidFill>
-                  <a:schemeClr val="tx1">
-                    <a:lumMod val="75000"/>
-                    <a:lumOff val="25000"/>
-                  </a:schemeClr>
-                </a:solidFill>
-                <a:latin typeface="Calibri" pitchFamily="34" charset="0"/>
+                <a:latin typeface="Calibri" panose="020F0502020204030204" pitchFamily="34" charset="0"/>
+                <a:cs typeface="Calibri" panose="020F0502020204030204" pitchFamily="34" charset="0"/>
               </a:rPr>
-              <a:t>Calibri</a:t>
+              <a:t>ecommerce</a:t>
             </a:r>
             <a:r>
               <a:rPr lang="pt-BR" sz="2300" b="1" dirty="0">
-                <a:solidFill>
-                  <a:schemeClr val="tx1">
-                    <a:lumMod val="75000"/>
-                    <a:lumOff val="25000"/>
-                  </a:schemeClr>
-                </a:solidFill>
-                <a:latin typeface="Calibri" pitchFamily="34" charset="0"/>
+                <a:latin typeface="Calibri" panose="020F0502020204030204" pitchFamily="34" charset="0"/>
+                <a:cs typeface="Calibri" panose="020F0502020204030204" pitchFamily="34" charset="0"/>
               </a:rPr>
-              <a:t>, tamanho 23)</a:t>
-            </a:r>
+              <a:t> baseado em </a:t>
+            </a:r>
+            <a:r>
+              <a:rPr lang="pt-BR" sz="2300" b="1" dirty="0" err="1">
+                <a:latin typeface="Calibri" panose="020F0502020204030204" pitchFamily="34" charset="0"/>
+                <a:cs typeface="Calibri" panose="020F0502020204030204" pitchFamily="34" charset="0"/>
+              </a:rPr>
+              <a:t>dropshipping</a:t>
+            </a:r>
+            <a:r>
+              <a:rPr lang="pt-BR" sz="2300" b="1" dirty="0">
+                <a:latin typeface="Calibri" panose="020F0502020204030204" pitchFamily="34" charset="0"/>
+                <a:cs typeface="Calibri" panose="020F0502020204030204" pitchFamily="34" charset="0"/>
+              </a:rPr>
+              <a:t>. Entende-se que </a:t>
+            </a:r>
+            <a:r>
+              <a:rPr lang="pt-BR" sz="2300" b="1" dirty="0" smtClean="0">
+                <a:latin typeface="Calibri" panose="020F0502020204030204" pitchFamily="34" charset="0"/>
+                <a:cs typeface="Calibri" panose="020F0502020204030204" pitchFamily="34" charset="0"/>
+              </a:rPr>
+              <a:t>se </a:t>
+            </a:r>
+            <a:r>
+              <a:rPr lang="pt-BR" sz="2300" b="1" dirty="0">
+                <a:latin typeface="Calibri" panose="020F0502020204030204" pitchFamily="34" charset="0"/>
+                <a:cs typeface="Calibri" panose="020F0502020204030204" pitchFamily="34" charset="0"/>
+              </a:rPr>
+              <a:t>houvesse mais tempo para o desenvolvimento </a:t>
+            </a:r>
+            <a:r>
+              <a:rPr lang="pt-BR" sz="2300" b="1" dirty="0" smtClean="0">
+                <a:latin typeface="Calibri" panose="020F0502020204030204" pitchFamily="34" charset="0"/>
+                <a:cs typeface="Calibri" panose="020F0502020204030204" pitchFamily="34" charset="0"/>
+              </a:rPr>
+              <a:t>a proposta ficaria detalhada. </a:t>
+            </a:r>
+          </a:p>
+          <a:p>
+            <a:endParaRPr lang="pt-BR" sz="2300" b="1" dirty="0">
+              <a:latin typeface="Calibri" panose="020F0502020204030204" pitchFamily="34" charset="0"/>
+              <a:cs typeface="Calibri" panose="020F0502020204030204" pitchFamily="34" charset="0"/>
+            </a:endParaRPr>
+          </a:p>
+          <a:p>
+            <a:endParaRPr lang="pt-BR" sz="2300" b="1" dirty="0">
+              <a:latin typeface="Calibri" panose="020F0502020204030204" pitchFamily="34" charset="0"/>
+              <a:cs typeface="Calibri" panose="020F0502020204030204" pitchFamily="34" charset="0"/>
+            </a:endParaRPr>
           </a:p>
           <a:p>
             <a:pPr>
@@ -3029,7 +3194,7 @@
               <a:defRPr/>
             </a:pPr>
             <a:r>
-              <a:rPr lang="pt-BR" sz="2300" b="1" dirty="0">
+              <a:rPr lang="pt-BR" sz="2300" b="1" dirty="0" smtClean="0">
                 <a:solidFill>
                   <a:schemeClr val="tx1">
                     <a:lumMod val="75000"/>
@@ -3038,7 +3203,19 @@
                 </a:solidFill>
                 <a:latin typeface="Calibri" pitchFamily="34" charset="0"/>
               </a:rPr>
-              <a:t>Duração: 1’00”</a:t>
+              <a:t>Duração</a:t>
+            </a:r>
+            <a:r>
+              <a:rPr lang="pt-BR" sz="2300" b="1" dirty="0">
+                <a:solidFill>
+                  <a:schemeClr val="tx1">
+                    <a:lumMod val="75000"/>
+                    <a:lumOff val="25000"/>
+                  </a:schemeClr>
+                </a:solidFill>
+                <a:latin typeface="Calibri" pitchFamily="34" charset="0"/>
+              </a:rPr>
+              <a:t>: 1’00”</a:t>
             </a:r>
             <a:r>
               <a:rPr lang="pt-BR" sz="2000" b="1" dirty="0">
@@ -3126,14 +3303,14 @@
           </a:ln>
           <a:extLst>
             <a:ext uri="{909E8E84-426E-40dd-AFC4-6F175D3DCCD1}">
-              <a14:hiddenFill xmlns:a14="http://schemas.microsoft.com/office/drawing/2010/main" xmlns="">
+              <a14:hiddenFill xmlns="" xmlns:a14="http://schemas.microsoft.com/office/drawing/2010/main">
                 <a:solidFill>
                   <a:srgbClr val="FFFFFF"/>
                 </a:solidFill>
               </a14:hiddenFill>
             </a:ext>
             <a:ext uri="{91240B29-F687-4f45-9708-019B960494DF}">
-              <a14:hiddenLine xmlns:a14="http://schemas.microsoft.com/office/drawing/2010/main" xmlns="" w="9525">
+              <a14:hiddenLine xmlns="" xmlns:a14="http://schemas.microsoft.com/office/drawing/2010/main" w="9525">
                 <a:solidFill>
                   <a:srgbClr val="000000"/>
                 </a:solidFill>
@@ -3289,6 +3466,13 @@
   <p:clrMapOvr>
     <a:masterClrMapping/>
   </p:clrMapOvr>
+  <p:timing>
+    <p:tnLst>
+      <p:par>
+        <p:cTn id="1" dur="indefinite" restart="never" nodeType="tmRoot"/>
+      </p:par>
+    </p:tnLst>
+  </p:timing>
 </p:sld>
 </file>
 
@@ -3388,14 +3572,14 @@
           </a:ln>
           <a:extLst>
             <a:ext uri="{909E8E84-426E-40dd-AFC4-6F175D3DCCD1}">
-              <a14:hiddenFill xmlns:a14="http://schemas.microsoft.com/office/drawing/2010/main" xmlns="">
+              <a14:hiddenFill xmlns="" xmlns:a14="http://schemas.microsoft.com/office/drawing/2010/main">
                 <a:solidFill>
                   <a:srgbClr val="FFFFFF"/>
                 </a:solidFill>
               </a14:hiddenFill>
             </a:ext>
             <a:ext uri="{91240B29-F687-4f45-9708-019B960494DF}">
-              <a14:hiddenLine xmlns:a14="http://schemas.microsoft.com/office/drawing/2010/main" xmlns="" w="9525">
+              <a14:hiddenLine xmlns="" xmlns:a14="http://schemas.microsoft.com/office/drawing/2010/main" w="9525">
                 <a:solidFill>
                   <a:srgbClr val="000000"/>
                 </a:solidFill>
@@ -3544,14 +3728,14 @@
           <a:effectLst/>
           <a:extLst>
             <a:ext uri="{909E8E84-426E-40dd-AFC4-6F175D3DCCD1}">
-              <a14:hiddenFill xmlns:a14="http://schemas.microsoft.com/office/drawing/2010/main" xmlns="">
+              <a14:hiddenFill xmlns="" xmlns:a14="http://schemas.microsoft.com/office/drawing/2010/main">
                 <a:solidFill>
                   <a:schemeClr val="accent1"/>
                 </a:solidFill>
               </a14:hiddenFill>
             </a:ext>
             <a:ext uri="{91240B29-F687-4f45-9708-019B960494DF}">
-              <a14:hiddenLine xmlns:a14="http://schemas.microsoft.com/office/drawing/2010/main" xmlns="" w="9525" algn="ctr">
+              <a14:hiddenLine xmlns="" xmlns:a14="http://schemas.microsoft.com/office/drawing/2010/main" w="9525" algn="ctr">
                 <a:solidFill>
                   <a:schemeClr val="tx1"/>
                 </a:solidFill>
@@ -3561,7 +3745,7 @@
               </a14:hiddenLine>
             </a:ext>
             <a:ext uri="{AF507438-7753-43e0-B8FC-AC1667EBCBE1}">
-              <a14:hiddenEffects xmlns:a14="http://schemas.microsoft.com/office/drawing/2010/main" xmlns="">
+              <a14:hiddenEffects xmlns="" xmlns:a14="http://schemas.microsoft.com/office/drawing/2010/main">
                 <a:effectLst>
                   <a:outerShdw dist="35921" dir="2700000" algn="ctr" rotWithShape="0">
                     <a:schemeClr val="bg2"/>
@@ -3587,42 +3771,15 @@
               </a:spcAft>
               <a:defRPr/>
             </a:pPr>
-            <a:r>
-              <a:rPr lang="pt-BR" sz="2300" b="1" dirty="0">
-                <a:solidFill>
-                  <a:schemeClr val="tx1">
-                    <a:lumMod val="75000"/>
-                    <a:lumOff val="25000"/>
-                  </a:schemeClr>
-                </a:solidFill>
-                <a:latin typeface="Calibri" pitchFamily="34" charset="0"/>
-              </a:rPr>
-              <a:t>Descrição sucinta do projeto arquitetural que foi desenvolvido, apresentando seus objetivos (fonte </a:t>
-            </a:r>
-            <a:r>
-              <a:rPr lang="pt-BR" sz="2300" b="1" dirty="0" err="1">
-                <a:solidFill>
-                  <a:schemeClr val="tx1">
-                    <a:lumMod val="75000"/>
-                    <a:lumOff val="25000"/>
-                  </a:schemeClr>
-                </a:solidFill>
-                <a:latin typeface="Calibri" pitchFamily="34" charset="0"/>
-              </a:rPr>
-              <a:t>Calibri</a:t>
-            </a:r>
-            <a:r>
-              <a:rPr lang="pt-BR" sz="2300" b="1" dirty="0">
-                <a:solidFill>
-                  <a:schemeClr val="tx1">
-                    <a:lumMod val="75000"/>
-                    <a:lumOff val="25000"/>
-                  </a:schemeClr>
-                </a:solidFill>
-                <a:latin typeface="Calibri" pitchFamily="34" charset="0"/>
-              </a:rPr>
-              <a:t>, tamanho 23)</a:t>
-            </a:r>
+            <a:endParaRPr lang="pt-BR" sz="2300" b="1" dirty="0" smtClean="0">
+              <a:solidFill>
+                <a:schemeClr val="tx1">
+                  <a:lumMod val="75000"/>
+                  <a:lumOff val="25000"/>
+                </a:schemeClr>
+              </a:solidFill>
+              <a:latin typeface="Calibri" pitchFamily="34" charset="0"/>
+            </a:endParaRPr>
           </a:p>
           <a:p>
             <a:pPr>
@@ -3638,7 +3795,128 @@
               <a:defRPr/>
             </a:pPr>
             <a:r>
-              <a:rPr lang="pt-BR" sz="2300" b="1" dirty="0">
+              <a:rPr lang="pt-BR" sz="2300" b="1" dirty="0" smtClean="0">
+                <a:solidFill>
+                  <a:schemeClr val="tx1">
+                    <a:lumMod val="75000"/>
+                    <a:lumOff val="25000"/>
+                  </a:schemeClr>
+                </a:solidFill>
+                <a:latin typeface="Calibri" pitchFamily="34" charset="0"/>
+              </a:rPr>
+              <a:t>Facilitar a venda de produtos na internet utilizando a modalidade de </a:t>
+            </a:r>
+            <a:r>
+              <a:rPr lang="pt-BR" sz="2300" b="1" dirty="0" err="1" smtClean="0">
+                <a:solidFill>
+                  <a:schemeClr val="tx1">
+                    <a:lumMod val="75000"/>
+                    <a:lumOff val="25000"/>
+                  </a:schemeClr>
+                </a:solidFill>
+                <a:latin typeface="Calibri" pitchFamily="34" charset="0"/>
+              </a:rPr>
+              <a:t>drop</a:t>
+            </a:r>
+            <a:r>
+              <a:rPr lang="pt-BR" sz="2300" b="1" dirty="0" smtClean="0">
+                <a:solidFill>
+                  <a:schemeClr val="tx1">
+                    <a:lumMod val="75000"/>
+                    <a:lumOff val="25000"/>
+                  </a:schemeClr>
+                </a:solidFill>
+                <a:latin typeface="Calibri" pitchFamily="34" charset="0"/>
+              </a:rPr>
+              <a:t> </a:t>
+            </a:r>
+            <a:r>
+              <a:rPr lang="pt-BR" sz="2300" b="1" dirty="0" err="1" smtClean="0">
+                <a:solidFill>
+                  <a:schemeClr val="tx1">
+                    <a:lumMod val="75000"/>
+                    <a:lumOff val="25000"/>
+                  </a:schemeClr>
+                </a:solidFill>
+                <a:latin typeface="Calibri" pitchFamily="34" charset="0"/>
+              </a:rPr>
+              <a:t>shipping</a:t>
+            </a:r>
+            <a:r>
+              <a:rPr lang="pt-BR" sz="2300" b="1" dirty="0" smtClean="0">
+                <a:solidFill>
+                  <a:schemeClr val="tx1">
+                    <a:lumMod val="75000"/>
+                    <a:lumOff val="25000"/>
+                  </a:schemeClr>
+                </a:solidFill>
+                <a:latin typeface="Calibri" pitchFamily="34" charset="0"/>
+              </a:rPr>
+              <a:t>, através do controle de compra e venda, integração de sistemas legados e atuais e</a:t>
+            </a:r>
+            <a:r>
+              <a:rPr lang="pt-BR" sz="2300" b="1" dirty="0" smtClean="0">
+                <a:solidFill>
+                  <a:schemeClr val="tx1">
+                    <a:lumMod val="75000"/>
+                    <a:lumOff val="25000"/>
+                  </a:schemeClr>
+                </a:solidFill>
+                <a:latin typeface="Calibri" pitchFamily="34" charset="0"/>
+              </a:rPr>
+              <a:t> automatização </a:t>
+            </a:r>
+            <a:r>
+              <a:rPr lang="pt-BR" sz="2300" b="1" dirty="0" smtClean="0">
+                <a:solidFill>
+                  <a:schemeClr val="tx1">
+                    <a:lumMod val="75000"/>
+                    <a:lumOff val="25000"/>
+                  </a:schemeClr>
+                </a:solidFill>
+                <a:latin typeface="Calibri" pitchFamily="34" charset="0"/>
+              </a:rPr>
+              <a:t>o processo de pedidos para os fornecedores. Com isso reduzindo custo e tempo.</a:t>
+            </a:r>
+          </a:p>
+          <a:p>
+            <a:pPr>
+              <a:lnSpc>
+                <a:spcPts val="2800"/>
+              </a:lnSpc>
+              <a:spcBef>
+                <a:spcPts val="400"/>
+              </a:spcBef>
+              <a:spcAft>
+                <a:spcPts val="400"/>
+              </a:spcAft>
+              <a:defRPr/>
+            </a:pPr>
+            <a:endParaRPr lang="pt-BR" sz="2300" b="1" dirty="0" smtClean="0">
+              <a:solidFill>
+                <a:schemeClr val="tx1">
+                  <a:lumMod val="75000"/>
+                  <a:lumOff val="25000"/>
+                </a:schemeClr>
+              </a:solidFill>
+              <a:latin typeface="Calibri" pitchFamily="34" charset="0"/>
+            </a:endParaRPr>
+          </a:p>
+          <a:p>
+            <a:pPr>
+              <a:lnSpc>
+                <a:spcPts val="2800"/>
+              </a:lnSpc>
+              <a:spcBef>
+                <a:spcPts val="400"/>
+              </a:spcBef>
+              <a:spcAft>
+                <a:spcPts val="400"/>
+              </a:spcAft>
+              <a:defRPr/>
+            </a:pPr>
+            <a:r>
+              <a:rPr lang="pt-BR" sz="2300" b="1" dirty="0" smtClean="0">
                 <a:solidFill>
                   <a:schemeClr val="tx1">
                     <a:lumMod val="75000"/>
@@ -3777,14 +4055,14 @@
           </a:ln>
           <a:extLst>
             <a:ext uri="{909E8E84-426E-40dd-AFC4-6F175D3DCCD1}">
-              <a14:hiddenFill xmlns:a14="http://schemas.microsoft.com/office/drawing/2010/main" xmlns="">
+              <a14:hiddenFill xmlns="" xmlns:a14="http://schemas.microsoft.com/office/drawing/2010/main">
                 <a:solidFill>
                   <a:srgbClr val="FFFFFF"/>
                 </a:solidFill>
               </a14:hiddenFill>
             </a:ext>
             <a:ext uri="{91240B29-F687-4f45-9708-019B960494DF}">
-              <a14:hiddenLine xmlns:a14="http://schemas.microsoft.com/office/drawing/2010/main" xmlns="" w="9525">
+              <a14:hiddenLine xmlns="" xmlns:a14="http://schemas.microsoft.com/office/drawing/2010/main" w="9525">
                 <a:solidFill>
                   <a:srgbClr val="000000"/>
                 </a:solidFill>
@@ -3904,29 +4182,26 @@
               </a:lnSpc>
             </a:pPr>
             <a:r>
-              <a:rPr lang="pt-BR" altLang="pt-BR" sz="2800" b="1" dirty="0">
+              <a:rPr lang="pt-BR" altLang="pt-BR" sz="2800" b="1" dirty="0" err="1" smtClean="0">
                 <a:latin typeface="Calibri" charset="0"/>
                 <a:ea typeface="Calibri" charset="0"/>
                 <a:cs typeface="Calibri" charset="0"/>
               </a:rPr>
-              <a:t>Título do trabalho (fonte </a:t>
-            </a:r>
-            <a:r>
-              <a:rPr lang="pt-BR" altLang="pt-BR" sz="2800" b="1" dirty="0" err="1">
+              <a:t>Ship</a:t>
+            </a:r>
+            <a:r>
+              <a:rPr lang="pt-BR" altLang="pt-BR" sz="2800" b="1" dirty="0" smtClean="0">
                 <a:latin typeface="Calibri" charset="0"/>
                 <a:ea typeface="Calibri" charset="0"/>
                 <a:cs typeface="Calibri" charset="0"/>
               </a:rPr>
-              <a:t>Calibri</a:t>
-            </a:r>
-            <a:r>
-              <a:rPr lang="pt-BR" altLang="pt-BR" sz="2800" b="1" dirty="0">
-                <a:latin typeface="Calibri" charset="0"/>
-                <a:ea typeface="Calibri" charset="0"/>
-                <a:cs typeface="Calibri" charset="0"/>
-              </a:rPr>
-              <a:t>, tamanho 28)</a:t>
-            </a:r>
+              <a:t> Shop Market</a:t>
+            </a:r>
+            <a:endParaRPr lang="pt-BR" altLang="pt-BR" sz="2800" b="1" dirty="0">
+              <a:latin typeface="Calibri" charset="0"/>
+              <a:ea typeface="Calibri" charset="0"/>
+              <a:cs typeface="Calibri" charset="0"/>
+            </a:endParaRPr>
           </a:p>
         </p:txBody>
       </p:sp>
@@ -3935,6 +4210,13 @@
   <p:clrMapOvr>
     <a:masterClrMapping/>
   </p:clrMapOvr>
+  <p:timing>
+    <p:tnLst>
+      <p:par>
+        <p:cTn id="1" dur="indefinite" restart="never" nodeType="tmRoot"/>
+      </p:par>
+    </p:tnLst>
+  </p:timing>
 </p:sld>
 </file>
 
@@ -4034,14 +4316,14 @@
           </a:ln>
           <a:extLst>
             <a:ext uri="{909E8E84-426E-40dd-AFC4-6F175D3DCCD1}">
-              <a14:hiddenFill xmlns:a14="http://schemas.microsoft.com/office/drawing/2010/main" xmlns="">
+              <a14:hiddenFill xmlns="" xmlns:a14="http://schemas.microsoft.com/office/drawing/2010/main">
                 <a:solidFill>
                   <a:srgbClr val="FFFFFF"/>
                 </a:solidFill>
               </a14:hiddenFill>
             </a:ext>
             <a:ext uri="{91240B29-F687-4f45-9708-019B960494DF}">
-              <a14:hiddenLine xmlns:a14="http://schemas.microsoft.com/office/drawing/2010/main" xmlns="" w="9525">
+              <a14:hiddenLine xmlns="" xmlns:a14="http://schemas.microsoft.com/office/drawing/2010/main" w="9525">
                 <a:solidFill>
                   <a:srgbClr val="000000"/>
                 </a:solidFill>
@@ -4190,14 +4472,14 @@
           <a:effectLst/>
           <a:extLst>
             <a:ext uri="{909E8E84-426E-40dd-AFC4-6F175D3DCCD1}">
-              <a14:hiddenFill xmlns:a14="http://schemas.microsoft.com/office/drawing/2010/main" xmlns="">
+              <a14:hiddenFill xmlns="" xmlns:a14="http://schemas.microsoft.com/office/drawing/2010/main">
                 <a:solidFill>
                   <a:schemeClr val="accent1"/>
                 </a:solidFill>
               </a14:hiddenFill>
             </a:ext>
             <a:ext uri="{91240B29-F687-4f45-9708-019B960494DF}">
-              <a14:hiddenLine xmlns:a14="http://schemas.microsoft.com/office/drawing/2010/main" xmlns="" w="9525" algn="ctr">
+              <a14:hiddenLine xmlns="" xmlns:a14="http://schemas.microsoft.com/office/drawing/2010/main" w="9525" algn="ctr">
                 <a:solidFill>
                   <a:schemeClr val="tx1"/>
                 </a:solidFill>
@@ -4207,7 +4489,7 @@
               </a14:hiddenLine>
             </a:ext>
             <a:ext uri="{AF507438-7753-43e0-B8FC-AC1667EBCBE1}">
-              <a14:hiddenEffects xmlns:a14="http://schemas.microsoft.com/office/drawing/2010/main" xmlns="">
+              <a14:hiddenEffects xmlns="" xmlns:a14="http://schemas.microsoft.com/office/drawing/2010/main">
                 <a:effectLst>
                   <a:outerShdw dist="35921" dir="2700000" algn="ctr" rotWithShape="0">
                     <a:schemeClr val="bg2"/>
@@ -4233,8 +4515,54 @@
               </a:spcAft>
               <a:defRPr/>
             </a:pPr>
-            <a:r>
-              <a:rPr lang="pt-BR" sz="2300" b="1" dirty="0">
+            <a:endParaRPr lang="pt-BR" sz="2300" b="1" dirty="0" smtClean="0">
+              <a:solidFill>
+                <a:schemeClr val="tx1">
+                  <a:lumMod val="75000"/>
+                  <a:lumOff val="25000"/>
+                </a:schemeClr>
+              </a:solidFill>
+              <a:latin typeface="Calibri" pitchFamily="34" charset="0"/>
+            </a:endParaRPr>
+          </a:p>
+          <a:p>
+            <a:pPr>
+              <a:lnSpc>
+                <a:spcPts val="2800"/>
+              </a:lnSpc>
+              <a:spcBef>
+                <a:spcPts val="400"/>
+              </a:spcBef>
+              <a:spcAft>
+                <a:spcPts val="400"/>
+              </a:spcAft>
+              <a:defRPr/>
+            </a:pPr>
+            <a:endParaRPr lang="pt-BR" sz="2300" b="1" dirty="0">
+              <a:solidFill>
+                <a:schemeClr val="tx1">
+                  <a:lumMod val="75000"/>
+                  <a:lumOff val="25000"/>
+                </a:schemeClr>
+              </a:solidFill>
+              <a:latin typeface="Calibri" pitchFamily="34" charset="0"/>
+            </a:endParaRPr>
+          </a:p>
+          <a:p>
+            <a:pPr>
+              <a:lnSpc>
+                <a:spcPts val="2800"/>
+              </a:lnSpc>
+              <a:spcBef>
+                <a:spcPts val="400"/>
+              </a:spcBef>
+              <a:spcAft>
+                <a:spcPts val="400"/>
+              </a:spcAft>
+              <a:defRPr/>
+            </a:pPr>
+            <a:r>
+              <a:rPr lang="pt-BR" sz="2300" b="1" dirty="0" smtClean="0">
                 <a:solidFill>
                   <a:schemeClr val="tx1">
                     <a:lumMod val="75000"/>
@@ -4243,7 +4571,19 @@
                 </a:solidFill>
                 <a:latin typeface="Calibri" pitchFamily="34" charset="0"/>
               </a:rPr>
-              <a:t>Apresentação do diagrama de casos de uso com explicação oral sucinta de cada caso de uso (diagrama)</a:t>
+              <a:t>Apresentação </a:t>
+            </a:r>
+            <a:r>
+              <a:rPr lang="pt-BR" sz="2300" b="1" dirty="0">
+                <a:solidFill>
+                  <a:schemeClr val="tx1">
+                    <a:lumMod val="75000"/>
+                    <a:lumOff val="25000"/>
+                  </a:schemeClr>
+                </a:solidFill>
+                <a:latin typeface="Calibri" pitchFamily="34" charset="0"/>
+              </a:rPr>
+              <a:t>do diagrama de casos de uso com explicação oral sucinta de cada caso de uso (diagrama)</a:t>
             </a:r>
           </a:p>
           <a:p>
@@ -4379,14 +4719,14 @@
           </a:ln>
           <a:extLst>
             <a:ext uri="{909E8E84-426E-40dd-AFC4-6F175D3DCCD1}">
-              <a14:hiddenFill xmlns:a14="http://schemas.microsoft.com/office/drawing/2010/main" xmlns="">
+              <a14:hiddenFill xmlns="" xmlns:a14="http://schemas.microsoft.com/office/drawing/2010/main">
                 <a:solidFill>
                   <a:srgbClr val="FFFFFF"/>
                 </a:solidFill>
               </a14:hiddenFill>
             </a:ext>
             <a:ext uri="{91240B29-F687-4f45-9708-019B960494DF}">
-              <a14:hiddenLine xmlns:a14="http://schemas.microsoft.com/office/drawing/2010/main" xmlns="" w="9525">
+              <a14:hiddenLine xmlns="" xmlns:a14="http://schemas.microsoft.com/office/drawing/2010/main" w="9525">
                 <a:solidFill>
                   <a:srgbClr val="000000"/>
                 </a:solidFill>
@@ -4506,37 +4846,71 @@
               </a:lnSpc>
             </a:pPr>
             <a:r>
+              <a:rPr lang="pt-BR" altLang="pt-BR" sz="2800" b="1" dirty="0" err="1">
+                <a:latin typeface="Calibri" charset="0"/>
+                <a:ea typeface="Calibri" charset="0"/>
+                <a:cs typeface="Calibri" charset="0"/>
+              </a:rPr>
+              <a:t>Ship</a:t>
+            </a:r>
+            <a:r>
               <a:rPr lang="pt-BR" altLang="pt-BR" sz="2800" b="1" dirty="0">
                 <a:latin typeface="Calibri" charset="0"/>
                 <a:ea typeface="Calibri" charset="0"/>
                 <a:cs typeface="Calibri" charset="0"/>
               </a:rPr>
-              <a:t>Título do trabalho (fonte </a:t>
-            </a:r>
-            <a:r>
-              <a:rPr lang="pt-BR" altLang="pt-BR" sz="2800" b="1" dirty="0" err="1">
-                <a:latin typeface="Calibri" charset="0"/>
-                <a:ea typeface="Calibri" charset="0"/>
-                <a:cs typeface="Calibri" charset="0"/>
-              </a:rPr>
-              <a:t>Calibri</a:t>
-            </a:r>
-            <a:r>
-              <a:rPr lang="pt-BR" altLang="pt-BR" sz="2800" b="1" dirty="0">
-                <a:latin typeface="Calibri" charset="0"/>
-                <a:ea typeface="Calibri" charset="0"/>
-                <a:cs typeface="Calibri" charset="0"/>
-              </a:rPr>
-              <a:t>, tamanho 28)</a:t>
-            </a:r>
+              <a:t> Shop Market</a:t>
+            </a:r>
+            <a:endParaRPr lang="pt-BR" altLang="pt-BR" sz="2800" b="1" dirty="0">
+              <a:latin typeface="Calibri" charset="0"/>
+              <a:ea typeface="Calibri" charset="0"/>
+              <a:cs typeface="Calibri" charset="0"/>
+            </a:endParaRPr>
           </a:p>
         </p:txBody>
       </p:sp>
+      <p:pic>
+        <p:nvPicPr>
+          <p:cNvPr id="3" name="Imagem 2"/>
+          <p:cNvPicPr>
+            <a:picLocks noChangeAspect="1"/>
+          </p:cNvPicPr>
+          <p:nvPr/>
+        </p:nvPicPr>
+        <p:blipFill>
+          <a:blip r:embed="rId2">
+            <a:extLst>
+              <a:ext uri="{28A0092B-C50C-407E-A947-70E740481C1C}">
+                <a14:useLocalDpi xmlns:a14="http://schemas.microsoft.com/office/drawing/2010/main" val="0"/>
+              </a:ext>
+            </a:extLst>
+          </a:blip>
+          <a:stretch>
+            <a:fillRect/>
+          </a:stretch>
+        </p:blipFill>
+        <p:spPr>
+          <a:xfrm>
+            <a:off x="0" y="1725711"/>
+            <a:ext cx="9144000" cy="4208266"/>
+          </a:xfrm>
+          <a:prstGeom prst="rect">
+            <a:avLst/>
+          </a:prstGeom>
+        </p:spPr>
+      </p:pic>
     </p:spTree>
   </p:cSld>
   <p:clrMapOvr>
     <a:masterClrMapping/>
   </p:clrMapOvr>
+  <p:timing>
+    <p:tnLst>
+      <p:par>
+        <p:cTn id="1" dur="indefinite" restart="never" nodeType="tmRoot"/>
+      </p:par>
+    </p:tnLst>
+  </p:timing>
 </p:sld>
 </file>
 
@@ -4636,14 +5010,14 @@
           </a:ln>
           <a:extLst>
             <a:ext uri="{909E8E84-426E-40dd-AFC4-6F175D3DCCD1}">
-              <a14:hiddenFill xmlns:a14="http://schemas.microsoft.com/office/drawing/2010/main" xmlns="">
+              <a14:hiddenFill xmlns="" xmlns:a14="http://schemas.microsoft.com/office/drawing/2010/main">
                 <a:solidFill>
                   <a:srgbClr val="FFFFFF"/>
                 </a:solidFill>
               </a14:hiddenFill>
             </a:ext>
             <a:ext uri="{91240B29-F687-4f45-9708-019B960494DF}">
-              <a14:hiddenLine xmlns:a14="http://schemas.microsoft.com/office/drawing/2010/main" xmlns="" w="9525">
+              <a14:hiddenLine xmlns="" xmlns:a14="http://schemas.microsoft.com/office/drawing/2010/main" w="9525">
                 <a:solidFill>
                   <a:srgbClr val="000000"/>
                 </a:solidFill>
@@ -4792,14 +5166,14 @@
           <a:effectLst/>
           <a:extLst>
             <a:ext uri="{909E8E84-426E-40dd-AFC4-6F175D3DCCD1}">
-              <a14:hiddenFill xmlns:a14="http://schemas.microsoft.com/office/drawing/2010/main" xmlns="">
+              <a14:hiddenFill xmlns="" xmlns:a14="http://schemas.microsoft.com/office/drawing/2010/main">
                 <a:solidFill>
                   <a:schemeClr val="accent1"/>
                 </a:solidFill>
               </a14:hiddenFill>
             </a:ext>
             <a:ext uri="{91240B29-F687-4f45-9708-019B960494DF}">
-              <a14:hiddenLine xmlns:a14="http://schemas.microsoft.com/office/drawing/2010/main" xmlns="" w="9525" algn="ctr">
+              <a14:hiddenLine xmlns="" xmlns:a14="http://schemas.microsoft.com/office/drawing/2010/main" w="9525" algn="ctr">
                 <a:solidFill>
                   <a:schemeClr val="tx1"/>
                 </a:solidFill>
@@ -4809,7 +5183,7 @@
               </a14:hiddenLine>
             </a:ext>
             <a:ext uri="{AF507438-7753-43e0-B8FC-AC1667EBCBE1}">
-              <a14:hiddenEffects xmlns:a14="http://schemas.microsoft.com/office/drawing/2010/main" xmlns="">
+              <a14:hiddenEffects xmlns="" xmlns:a14="http://schemas.microsoft.com/office/drawing/2010/main">
                 <a:effectLst>
                   <a:outerShdw dist="35921" dir="2700000" algn="ctr" rotWithShape="0">
                     <a:schemeClr val="bg2"/>
@@ -4823,7 +5197,7 @@
           <a:bodyPr/>
           <a:lstStyle/>
           <a:p>
-            <a:pPr>
+            <a:pPr marL="342900" indent="-342900">
               <a:lnSpc>
                 <a:spcPts val="2800"/>
               </a:lnSpc>
@@ -4833,10 +5207,12 @@
               <a:spcAft>
                 <a:spcPts val="400"/>
               </a:spcAft>
+              <a:buFont typeface="Arial" panose="020B0604020202020204" pitchFamily="34" charset="0"/>
+              <a:buChar char="•"/>
               <a:defRPr/>
             </a:pPr>
             <a:r>
-              <a:rPr lang="pt-BR" sz="2300" b="1" dirty="0">
+              <a:rPr lang="pt-BR" sz="2300" b="1" dirty="0" err="1" smtClean="0">
                 <a:solidFill>
                   <a:schemeClr val="tx1">
                     <a:lumMod val="75000"/>
@@ -4845,8 +5221,240 @@
                 </a:solidFill>
                 <a:latin typeface="Calibri" pitchFamily="34" charset="0"/>
               </a:rPr>
-              <a:t>Apresentação dos principais requisitos não funcionais com explicação oral</a:t>
-            </a:r>
+              <a:t>Usabildade</a:t>
+            </a:r>
+            <a:endParaRPr lang="pt-BR" sz="2300" b="1" dirty="0" smtClean="0">
+              <a:solidFill>
+                <a:schemeClr val="tx1">
+                  <a:lumMod val="75000"/>
+                  <a:lumOff val="25000"/>
+                </a:schemeClr>
+              </a:solidFill>
+              <a:latin typeface="Calibri" pitchFamily="34" charset="0"/>
+            </a:endParaRPr>
+          </a:p>
+          <a:p>
+            <a:pPr marL="342900" indent="-342900">
+              <a:lnSpc>
+                <a:spcPts val="2800"/>
+              </a:lnSpc>
+              <a:spcBef>
+                <a:spcPts val="400"/>
+              </a:spcBef>
+              <a:spcAft>
+                <a:spcPts val="400"/>
+              </a:spcAft>
+              <a:buFont typeface="Arial" panose="020B0604020202020204" pitchFamily="34" charset="0"/>
+              <a:buChar char="•"/>
+              <a:defRPr/>
+            </a:pPr>
+            <a:r>
+              <a:rPr lang="pt-BR" sz="2300" b="1" dirty="0" smtClean="0">
+                <a:solidFill>
+                  <a:schemeClr val="tx1">
+                    <a:lumMod val="75000"/>
+                    <a:lumOff val="25000"/>
+                  </a:schemeClr>
+                </a:solidFill>
+                <a:latin typeface="Calibri" pitchFamily="34" charset="0"/>
+              </a:rPr>
+              <a:t>Acessibilidade</a:t>
+            </a:r>
+          </a:p>
+          <a:p>
+            <a:pPr marL="342900" indent="-342900">
+              <a:lnSpc>
+                <a:spcPts val="2800"/>
+              </a:lnSpc>
+              <a:spcBef>
+                <a:spcPts val="400"/>
+              </a:spcBef>
+              <a:spcAft>
+                <a:spcPts val="400"/>
+              </a:spcAft>
+              <a:buFont typeface="Arial" panose="020B0604020202020204" pitchFamily="34" charset="0"/>
+              <a:buChar char="•"/>
+              <a:defRPr/>
+            </a:pPr>
+            <a:r>
+              <a:rPr lang="pt-BR" sz="2300" b="1" dirty="0" smtClean="0">
+                <a:solidFill>
+                  <a:schemeClr val="tx1">
+                    <a:lumMod val="75000"/>
+                    <a:lumOff val="25000"/>
+                  </a:schemeClr>
+                </a:solidFill>
+                <a:latin typeface="Calibri" pitchFamily="34" charset="0"/>
+              </a:rPr>
+              <a:t>Desempenho</a:t>
+            </a:r>
+          </a:p>
+          <a:p>
+            <a:pPr marL="342900" indent="-342900">
+              <a:lnSpc>
+                <a:spcPts val="2800"/>
+              </a:lnSpc>
+              <a:spcBef>
+                <a:spcPts val="400"/>
+              </a:spcBef>
+              <a:spcAft>
+                <a:spcPts val="400"/>
+              </a:spcAft>
+              <a:buFont typeface="Arial" panose="020B0604020202020204" pitchFamily="34" charset="0"/>
+              <a:buChar char="•"/>
+              <a:defRPr/>
+            </a:pPr>
+            <a:r>
+              <a:rPr lang="pt-BR" sz="2300" b="1" dirty="0" err="1" smtClean="0">
+                <a:solidFill>
+                  <a:schemeClr val="tx1">
+                    <a:lumMod val="75000"/>
+                    <a:lumOff val="25000"/>
+                  </a:schemeClr>
+                </a:solidFill>
+                <a:latin typeface="Calibri" pitchFamily="34" charset="0"/>
+              </a:rPr>
+              <a:t>Manutenibilidade</a:t>
+            </a:r>
+            <a:endParaRPr lang="pt-BR" sz="2300" b="1" dirty="0" smtClean="0">
+              <a:solidFill>
+                <a:schemeClr val="tx1">
+                  <a:lumMod val="75000"/>
+                  <a:lumOff val="25000"/>
+                </a:schemeClr>
+              </a:solidFill>
+              <a:latin typeface="Calibri" pitchFamily="34" charset="0"/>
+            </a:endParaRPr>
+          </a:p>
+          <a:p>
+            <a:pPr marL="342900" indent="-342900">
+              <a:lnSpc>
+                <a:spcPts val="2800"/>
+              </a:lnSpc>
+              <a:spcBef>
+                <a:spcPts val="400"/>
+              </a:spcBef>
+              <a:spcAft>
+                <a:spcPts val="400"/>
+              </a:spcAft>
+              <a:buFont typeface="Arial" panose="020B0604020202020204" pitchFamily="34" charset="0"/>
+              <a:buChar char="•"/>
+              <a:defRPr/>
+            </a:pPr>
+            <a:r>
+              <a:rPr lang="pt-BR" sz="2300" b="1" dirty="0" err="1" smtClean="0">
+                <a:solidFill>
+                  <a:schemeClr val="tx1">
+                    <a:lumMod val="75000"/>
+                    <a:lumOff val="25000"/>
+                  </a:schemeClr>
+                </a:solidFill>
+                <a:latin typeface="Calibri" pitchFamily="34" charset="0"/>
+              </a:rPr>
+              <a:t>Testabilidade</a:t>
+            </a:r>
+            <a:endParaRPr lang="pt-BR" sz="2300" b="1" dirty="0" smtClean="0">
+              <a:solidFill>
+                <a:schemeClr val="tx1">
+                  <a:lumMod val="75000"/>
+                  <a:lumOff val="25000"/>
+                </a:schemeClr>
+              </a:solidFill>
+              <a:latin typeface="Calibri" pitchFamily="34" charset="0"/>
+            </a:endParaRPr>
+          </a:p>
+          <a:p>
+            <a:pPr marL="342900" indent="-342900">
+              <a:lnSpc>
+                <a:spcPts val="2800"/>
+              </a:lnSpc>
+              <a:spcBef>
+                <a:spcPts val="400"/>
+              </a:spcBef>
+              <a:spcAft>
+                <a:spcPts val="400"/>
+              </a:spcAft>
+              <a:buFont typeface="Arial" panose="020B0604020202020204" pitchFamily="34" charset="0"/>
+              <a:buChar char="•"/>
+              <a:defRPr/>
+            </a:pPr>
+            <a:r>
+              <a:rPr lang="pt-BR" sz="2300" b="1" dirty="0" smtClean="0">
+                <a:solidFill>
+                  <a:schemeClr val="tx1">
+                    <a:lumMod val="75000"/>
+                    <a:lumOff val="25000"/>
+                  </a:schemeClr>
+                </a:solidFill>
+                <a:latin typeface="Calibri" pitchFamily="34" charset="0"/>
+              </a:rPr>
+              <a:t>Interoperabilidade</a:t>
+            </a:r>
+          </a:p>
+          <a:p>
+            <a:pPr marL="342900" indent="-342900">
+              <a:lnSpc>
+                <a:spcPts val="2800"/>
+              </a:lnSpc>
+              <a:spcBef>
+                <a:spcPts val="400"/>
+              </a:spcBef>
+              <a:spcAft>
+                <a:spcPts val="400"/>
+              </a:spcAft>
+              <a:buFont typeface="Arial" panose="020B0604020202020204" pitchFamily="34" charset="0"/>
+              <a:buChar char="•"/>
+              <a:defRPr/>
+            </a:pPr>
+            <a:r>
+              <a:rPr lang="pt-BR" sz="2300" b="1" dirty="0" smtClean="0">
+                <a:solidFill>
+                  <a:schemeClr val="tx1">
+                    <a:lumMod val="75000"/>
+                    <a:lumOff val="25000"/>
+                  </a:schemeClr>
+                </a:solidFill>
+                <a:latin typeface="Calibri" pitchFamily="34" charset="0"/>
+              </a:rPr>
+              <a:t>Disponibilidade</a:t>
+            </a:r>
+          </a:p>
+          <a:p>
+            <a:pPr marL="342900" indent="-342900">
+              <a:lnSpc>
+                <a:spcPts val="2800"/>
+              </a:lnSpc>
+              <a:spcBef>
+                <a:spcPts val="400"/>
+              </a:spcBef>
+              <a:spcAft>
+                <a:spcPts val="400"/>
+              </a:spcAft>
+              <a:buFont typeface="Arial" panose="020B0604020202020204" pitchFamily="34" charset="0"/>
+              <a:buChar char="•"/>
+              <a:defRPr/>
+            </a:pPr>
+            <a:r>
+              <a:rPr lang="pt-BR" sz="2300" b="1" dirty="0" smtClean="0">
+                <a:solidFill>
+                  <a:schemeClr val="tx1">
+                    <a:lumMod val="75000"/>
+                    <a:lumOff val="25000"/>
+                  </a:schemeClr>
+                </a:solidFill>
+                <a:latin typeface="Calibri" pitchFamily="34" charset="0"/>
+              </a:rPr>
+              <a:t>Segurança</a:t>
+            </a:r>
+            <a:endParaRPr lang="pt-BR" sz="2300" b="1" dirty="0" smtClean="0">
+              <a:solidFill>
+                <a:schemeClr val="tx1">
+                  <a:lumMod val="75000"/>
+                  <a:lumOff val="25000"/>
+                </a:schemeClr>
+              </a:solidFill>
+              <a:latin typeface="Calibri" pitchFamily="34" charset="0"/>
+            </a:endParaRPr>
           </a:p>
           <a:p>
             <a:pPr>
@@ -4862,7 +5470,7 @@
               <a:defRPr/>
             </a:pPr>
             <a:r>
-              <a:rPr lang="pt-BR" sz="2300" b="1" dirty="0">
+              <a:rPr lang="pt-BR" sz="2300" b="1" dirty="0" smtClean="0">
                 <a:solidFill>
                   <a:schemeClr val="tx1">
                     <a:lumMod val="75000"/>
@@ -4981,14 +5589,14 @@
           </a:ln>
           <a:extLst>
             <a:ext uri="{909E8E84-426E-40dd-AFC4-6F175D3DCCD1}">
-              <a14:hiddenFill xmlns:a14="http://schemas.microsoft.com/office/drawing/2010/main" xmlns="">
+              <a14:hiddenFill xmlns="" xmlns:a14="http://schemas.microsoft.com/office/drawing/2010/main">
                 <a:solidFill>
                   <a:srgbClr val="FFFFFF"/>
                 </a:solidFill>
               </a14:hiddenFill>
             </a:ext>
             <a:ext uri="{91240B29-F687-4f45-9708-019B960494DF}">
-              <a14:hiddenLine xmlns:a14="http://schemas.microsoft.com/office/drawing/2010/main" xmlns="" w="9525">
+              <a14:hiddenLine xmlns="" xmlns:a14="http://schemas.microsoft.com/office/drawing/2010/main" w="9525">
                 <a:solidFill>
                   <a:srgbClr val="000000"/>
                 </a:solidFill>
@@ -5108,29 +5716,26 @@
               </a:lnSpc>
             </a:pPr>
             <a:r>
+              <a:rPr lang="pt-BR" altLang="pt-BR" sz="2800" b="1" dirty="0" err="1">
+                <a:latin typeface="Calibri" charset="0"/>
+                <a:ea typeface="Calibri" charset="0"/>
+                <a:cs typeface="Calibri" charset="0"/>
+              </a:rPr>
+              <a:t>Ship</a:t>
+            </a:r>
+            <a:r>
               <a:rPr lang="pt-BR" altLang="pt-BR" sz="2800" b="1" dirty="0">
                 <a:latin typeface="Calibri" charset="0"/>
                 <a:ea typeface="Calibri" charset="0"/>
                 <a:cs typeface="Calibri" charset="0"/>
               </a:rPr>
-              <a:t>Título do trabalho (fonte </a:t>
-            </a:r>
-            <a:r>
-              <a:rPr lang="pt-BR" altLang="pt-BR" sz="2800" b="1" dirty="0" err="1">
-                <a:latin typeface="Calibri" charset="0"/>
-                <a:ea typeface="Calibri" charset="0"/>
-                <a:cs typeface="Calibri" charset="0"/>
-              </a:rPr>
-              <a:t>Calibri</a:t>
-            </a:r>
-            <a:r>
-              <a:rPr lang="pt-BR" altLang="pt-BR" sz="2800" b="1" dirty="0">
-                <a:latin typeface="Calibri" charset="0"/>
-                <a:ea typeface="Calibri" charset="0"/>
-                <a:cs typeface="Calibri" charset="0"/>
-              </a:rPr>
-              <a:t>, tamanho 28)</a:t>
-            </a:r>
+              <a:t> Shop Market</a:t>
+            </a:r>
+            <a:endParaRPr lang="pt-BR" altLang="pt-BR" sz="2800" b="1" dirty="0">
+              <a:latin typeface="Calibri" charset="0"/>
+              <a:ea typeface="Calibri" charset="0"/>
+              <a:cs typeface="Calibri" charset="0"/>
+            </a:endParaRPr>
           </a:p>
         </p:txBody>
       </p:sp>
@@ -5144,6 +5749,13 @@
   <p:clrMapOvr>
     <a:masterClrMapping/>
   </p:clrMapOvr>
+  <p:timing>
+    <p:tnLst>
+      <p:par>
+        <p:cTn id="1" dur="indefinite" restart="never" nodeType="tmRoot"/>
+      </p:par>
+    </p:tnLst>
+  </p:timing>
 </p:sld>
 </file>
 
@@ -5243,14 +5855,14 @@
           </a:ln>
           <a:extLst>
             <a:ext uri="{909E8E84-426E-40dd-AFC4-6F175D3DCCD1}">
-              <a14:hiddenFill xmlns:a14="http://schemas.microsoft.com/office/drawing/2010/main" xmlns="">
+              <a14:hiddenFill xmlns="" xmlns:a14="http://schemas.microsoft.com/office/drawing/2010/main">
                 <a:solidFill>
                   <a:srgbClr val="FFFFFF"/>
                 </a:solidFill>
               </a14:hiddenFill>
             </a:ext>
             <a:ext uri="{91240B29-F687-4f45-9708-019B960494DF}">
-              <a14:hiddenLine xmlns:a14="http://schemas.microsoft.com/office/drawing/2010/main" xmlns="" w="9525">
+              <a14:hiddenLine xmlns="" xmlns:a14="http://schemas.microsoft.com/office/drawing/2010/main" w="9525">
                 <a:solidFill>
                   <a:srgbClr val="000000"/>
                 </a:solidFill>
@@ -5399,14 +6011,14 @@
           <a:effectLst/>
           <a:extLst>
             <a:ext uri="{909E8E84-426E-40dd-AFC4-6F175D3DCCD1}">
-              <a14:hiddenFill xmlns:a14="http://schemas.microsoft.com/office/drawing/2010/main" xmlns="">
+              <a14:hiddenFill xmlns="" xmlns:a14="http://schemas.microsoft.com/office/drawing/2010/main">
                 <a:solidFill>
                   <a:schemeClr val="accent1"/>
                 </a:solidFill>
               </a14:hiddenFill>
             </a:ext>
             <a:ext uri="{91240B29-F687-4f45-9708-019B960494DF}">
-              <a14:hiddenLine xmlns:a14="http://schemas.microsoft.com/office/drawing/2010/main" xmlns="" w="9525" algn="ctr">
+              <a14:hiddenLine xmlns="" xmlns:a14="http://schemas.microsoft.com/office/drawing/2010/main" w="9525" algn="ctr">
                 <a:solidFill>
                   <a:schemeClr val="tx1"/>
                 </a:solidFill>
@@ -5416,7 +6028,7 @@
               </a14:hiddenLine>
             </a:ext>
             <a:ext uri="{AF507438-7753-43e0-B8FC-AC1667EBCBE1}">
-              <a14:hiddenEffects xmlns:a14="http://schemas.microsoft.com/office/drawing/2010/main" xmlns="">
+              <a14:hiddenEffects xmlns="" xmlns:a14="http://schemas.microsoft.com/office/drawing/2010/main">
                 <a:effectLst>
                   <a:outerShdw dist="35921" dir="2700000" algn="ctr" rotWithShape="0">
                     <a:schemeClr val="bg2"/>
@@ -5430,7 +6042,7 @@
           <a:bodyPr/>
           <a:lstStyle/>
           <a:p>
-            <a:pPr>
+            <a:pPr marL="342900" indent="-342900">
               <a:lnSpc>
                 <a:spcPts val="2800"/>
               </a:lnSpc>
@@ -5440,10 +6052,12 @@
               <a:spcAft>
                 <a:spcPts val="400"/>
               </a:spcAft>
+              <a:buFont typeface="Arial" panose="020B0604020202020204" pitchFamily="34" charset="0"/>
+              <a:buChar char="•"/>
               <a:defRPr/>
             </a:pPr>
             <a:r>
-              <a:rPr lang="pt-BR" sz="2300" b="1" dirty="0">
+              <a:rPr lang="pt-BR" sz="2300" b="1" dirty="0" smtClean="0">
                 <a:solidFill>
                   <a:schemeClr val="tx1">
                     <a:lumMod val="75000"/>
@@ -5452,8 +6066,193 @@
                 </a:solidFill>
                 <a:latin typeface="Calibri" pitchFamily="34" charset="0"/>
               </a:rPr>
-              <a:t>Apresentação das retrições de projeto que limitam o projeto da arquitetura</a:t>
-            </a:r>
+              <a:t>O sistema deve ser desenvolvido em Java;</a:t>
+            </a:r>
+          </a:p>
+          <a:p>
+            <a:pPr marL="342900" indent="-342900">
+              <a:lnSpc>
+                <a:spcPts val="2800"/>
+              </a:lnSpc>
+              <a:spcBef>
+                <a:spcPts val="400"/>
+              </a:spcBef>
+              <a:spcAft>
+                <a:spcPts val="400"/>
+              </a:spcAft>
+              <a:buFont typeface="Arial" panose="020B0604020202020204" pitchFamily="34" charset="0"/>
+              <a:buChar char="•"/>
+              <a:defRPr/>
+            </a:pPr>
+            <a:r>
+              <a:rPr lang="pt-BR" sz="2300" b="1" dirty="0" smtClean="0">
+                <a:solidFill>
+                  <a:schemeClr val="tx1">
+                    <a:lumMod val="75000"/>
+                    <a:lumOff val="25000"/>
+                  </a:schemeClr>
+                </a:solidFill>
+                <a:latin typeface="Calibri" pitchFamily="34" charset="0"/>
+              </a:rPr>
+              <a:t>O sistema deve utilizar um serviço de meio de pagamento;</a:t>
+            </a:r>
+          </a:p>
+          <a:p>
+            <a:pPr marL="342900" indent="-342900">
+              <a:lnSpc>
+                <a:spcPts val="2800"/>
+              </a:lnSpc>
+              <a:spcBef>
+                <a:spcPts val="400"/>
+              </a:spcBef>
+              <a:spcAft>
+                <a:spcPts val="400"/>
+              </a:spcAft>
+              <a:buFont typeface="Arial" panose="020B0604020202020204" pitchFamily="34" charset="0"/>
+              <a:buChar char="•"/>
+              <a:defRPr/>
+            </a:pPr>
+            <a:r>
+              <a:rPr lang="pt-BR" sz="2300" b="1" dirty="0" smtClean="0">
+                <a:solidFill>
+                  <a:schemeClr val="tx1">
+                    <a:lumMod val="75000"/>
+                    <a:lumOff val="25000"/>
+                  </a:schemeClr>
+                </a:solidFill>
+                <a:latin typeface="Calibri" pitchFamily="34" charset="0"/>
+              </a:rPr>
+              <a:t>O sistema deve abrir de forma responsiva  em aparelhos menores, como celular e </a:t>
+            </a:r>
+            <a:r>
+              <a:rPr lang="pt-BR" sz="2300" b="1" dirty="0" err="1" smtClean="0">
+                <a:solidFill>
+                  <a:schemeClr val="tx1">
+                    <a:lumMod val="75000"/>
+                    <a:lumOff val="25000"/>
+                  </a:schemeClr>
+                </a:solidFill>
+                <a:latin typeface="Calibri" pitchFamily="34" charset="0"/>
+              </a:rPr>
+              <a:t>tablet</a:t>
+            </a:r>
+            <a:r>
+              <a:rPr lang="pt-BR" sz="2300" b="1" dirty="0" smtClean="0">
+                <a:solidFill>
+                  <a:schemeClr val="tx1">
+                    <a:lumMod val="75000"/>
+                    <a:lumOff val="25000"/>
+                  </a:schemeClr>
+                </a:solidFill>
+                <a:latin typeface="Calibri" pitchFamily="34" charset="0"/>
+              </a:rPr>
+              <a:t>;</a:t>
+            </a:r>
+          </a:p>
+          <a:p>
+            <a:pPr marL="342900" indent="-342900">
+              <a:lnSpc>
+                <a:spcPts val="2800"/>
+              </a:lnSpc>
+              <a:spcBef>
+                <a:spcPts val="400"/>
+              </a:spcBef>
+              <a:spcAft>
+                <a:spcPts val="400"/>
+              </a:spcAft>
+              <a:buFont typeface="Arial" panose="020B0604020202020204" pitchFamily="34" charset="0"/>
+              <a:buChar char="•"/>
+              <a:defRPr/>
+            </a:pPr>
+            <a:r>
+              <a:rPr lang="pt-BR" sz="2300" b="1" dirty="0" smtClean="0">
+                <a:solidFill>
+                  <a:schemeClr val="tx1">
+                    <a:lumMod val="75000"/>
+                    <a:lumOff val="25000"/>
+                  </a:schemeClr>
+                </a:solidFill>
+                <a:latin typeface="Calibri" pitchFamily="34" charset="0"/>
+              </a:rPr>
+              <a:t>O sistema deve ser modular para facilitar a implantação;</a:t>
+            </a:r>
+          </a:p>
+          <a:p>
+            <a:pPr marL="342900" indent="-342900">
+              <a:lnSpc>
+                <a:spcPts val="2800"/>
+              </a:lnSpc>
+              <a:spcBef>
+                <a:spcPts val="400"/>
+              </a:spcBef>
+              <a:spcAft>
+                <a:spcPts val="400"/>
+              </a:spcAft>
+              <a:buFont typeface="Arial" panose="020B0604020202020204" pitchFamily="34" charset="0"/>
+              <a:buChar char="•"/>
+              <a:defRPr/>
+            </a:pPr>
+            <a:r>
+              <a:rPr lang="pt-BR" sz="2300" b="1" dirty="0" smtClean="0">
+                <a:solidFill>
+                  <a:schemeClr val="tx1">
+                    <a:lumMod val="75000"/>
+                    <a:lumOff val="25000"/>
+                  </a:schemeClr>
+                </a:solidFill>
+                <a:latin typeface="Calibri" pitchFamily="34" charset="0"/>
+              </a:rPr>
+              <a:t>As integrações entre os sistemas devem utilizar </a:t>
+            </a:r>
+            <a:r>
+              <a:rPr lang="pt-BR" sz="2300" b="1" dirty="0" err="1" smtClean="0">
+                <a:solidFill>
+                  <a:schemeClr val="tx1">
+                    <a:lumMod val="75000"/>
+                    <a:lumOff val="25000"/>
+                  </a:schemeClr>
+                </a:solidFill>
+                <a:latin typeface="Calibri" pitchFamily="34" charset="0"/>
+              </a:rPr>
+              <a:t>Oauth</a:t>
+            </a:r>
+            <a:r>
+              <a:rPr lang="pt-BR" sz="2300" b="1" dirty="0" smtClean="0">
+                <a:solidFill>
+                  <a:schemeClr val="tx1">
+                    <a:lumMod val="75000"/>
+                    <a:lumOff val="25000"/>
+                  </a:schemeClr>
+                </a:solidFill>
+                <a:latin typeface="Calibri" pitchFamily="34" charset="0"/>
+              </a:rPr>
+              <a:t> 2.</a:t>
+            </a:r>
+          </a:p>
+          <a:p>
+            <a:pPr marL="342900" indent="-342900">
+              <a:lnSpc>
+                <a:spcPts val="2800"/>
+              </a:lnSpc>
+              <a:spcBef>
+                <a:spcPts val="400"/>
+              </a:spcBef>
+              <a:spcAft>
+                <a:spcPts val="400"/>
+              </a:spcAft>
+              <a:buFont typeface="Arial" panose="020B0604020202020204" pitchFamily="34" charset="0"/>
+              <a:buChar char="•"/>
+              <a:defRPr/>
+            </a:pPr>
+            <a:endParaRPr lang="pt-BR" sz="2300" b="1" dirty="0">
+              <a:solidFill>
+                <a:schemeClr val="tx1">
+                  <a:lumMod val="75000"/>
+                  <a:lumOff val="25000"/>
+                </a:schemeClr>
+              </a:solidFill>
+              <a:latin typeface="Calibri" pitchFamily="34" charset="0"/>
+            </a:endParaRPr>
           </a:p>
           <a:p>
             <a:pPr>
@@ -5531,14 +6330,14 @@
           </a:ln>
           <a:extLst>
             <a:ext uri="{909E8E84-426E-40dd-AFC4-6F175D3DCCD1}">
-              <a14:hiddenFill xmlns:a14="http://schemas.microsoft.com/office/drawing/2010/main" xmlns="">
+              <a14:hiddenFill xmlns="" xmlns:a14="http://schemas.microsoft.com/office/drawing/2010/main">
                 <a:solidFill>
                   <a:srgbClr val="FFFFFF"/>
                 </a:solidFill>
               </a14:hiddenFill>
             </a:ext>
             <a:ext uri="{91240B29-F687-4f45-9708-019B960494DF}">
-              <a14:hiddenLine xmlns:a14="http://schemas.microsoft.com/office/drawing/2010/main" xmlns="" w="9525">
+              <a14:hiddenLine xmlns="" xmlns:a14="http://schemas.microsoft.com/office/drawing/2010/main" w="9525">
                 <a:solidFill>
                   <a:srgbClr val="000000"/>
                 </a:solidFill>
@@ -5658,29 +6457,26 @@
               </a:lnSpc>
             </a:pPr>
             <a:r>
+              <a:rPr lang="pt-BR" altLang="pt-BR" sz="2800" b="1" dirty="0" err="1">
+                <a:latin typeface="Calibri" charset="0"/>
+                <a:ea typeface="Calibri" charset="0"/>
+                <a:cs typeface="Calibri" charset="0"/>
+              </a:rPr>
+              <a:t>Ship</a:t>
+            </a:r>
+            <a:r>
               <a:rPr lang="pt-BR" altLang="pt-BR" sz="2800" b="1" dirty="0">
                 <a:latin typeface="Calibri" charset="0"/>
                 <a:ea typeface="Calibri" charset="0"/>
                 <a:cs typeface="Calibri" charset="0"/>
               </a:rPr>
-              <a:t>Título do trabalho (fonte </a:t>
-            </a:r>
-            <a:r>
-              <a:rPr lang="pt-BR" altLang="pt-BR" sz="2800" b="1" dirty="0" err="1">
-                <a:latin typeface="Calibri" charset="0"/>
-                <a:ea typeface="Calibri" charset="0"/>
-                <a:cs typeface="Calibri" charset="0"/>
-              </a:rPr>
-              <a:t>Calibri</a:t>
-            </a:r>
-            <a:r>
-              <a:rPr lang="pt-BR" altLang="pt-BR" sz="2800" b="1" dirty="0">
-                <a:latin typeface="Calibri" charset="0"/>
-                <a:ea typeface="Calibri" charset="0"/>
-                <a:cs typeface="Calibri" charset="0"/>
-              </a:rPr>
-              <a:t>, tamanho 28)</a:t>
-            </a:r>
+              <a:t> Shop Market</a:t>
+            </a:r>
+            <a:endParaRPr lang="pt-BR" altLang="pt-BR" sz="2800" b="1" dirty="0">
+              <a:latin typeface="Calibri" charset="0"/>
+              <a:ea typeface="Calibri" charset="0"/>
+              <a:cs typeface="Calibri" charset="0"/>
+            </a:endParaRPr>
           </a:p>
         </p:txBody>
       </p:sp>
@@ -5694,6 +6490,13 @@
   <p:clrMapOvr>
     <a:masterClrMapping/>
   </p:clrMapOvr>
+  <p:timing>
+    <p:tnLst>
+      <p:par>
+        <p:cTn id="1" dur="indefinite" restart="never" nodeType="tmRoot"/>
+      </p:par>
+    </p:tnLst>
+  </p:timing>
 </p:sld>
 </file>
 
@@ -5793,14 +6596,14 @@
           </a:ln>
           <a:extLst>
             <a:ext uri="{909E8E84-426E-40dd-AFC4-6F175D3DCCD1}">
-              <a14:hiddenFill xmlns:a14="http://schemas.microsoft.com/office/drawing/2010/main" xmlns="">
+              <a14:hiddenFill xmlns="" xmlns:a14="http://schemas.microsoft.com/office/drawing/2010/main">
                 <a:solidFill>
                   <a:srgbClr val="FFFFFF"/>
                 </a:solidFill>
               </a14:hiddenFill>
             </a:ext>
             <a:ext uri="{91240B29-F687-4f45-9708-019B960494DF}">
-              <a14:hiddenLine xmlns:a14="http://schemas.microsoft.com/office/drawing/2010/main" xmlns="" w="9525">
+              <a14:hiddenLine xmlns="" xmlns:a14="http://schemas.microsoft.com/office/drawing/2010/main" w="9525">
                 <a:solidFill>
                   <a:srgbClr val="000000"/>
                 </a:solidFill>
@@ -5949,14 +6752,14 @@
           <a:effectLst/>
           <a:extLst>
             <a:ext uri="{909E8E84-426E-40dd-AFC4-6F175D3DCCD1}">
-              <a14:hiddenFill xmlns:a14="http://schemas.microsoft.com/office/drawing/2010/main" xmlns="">
+              <a14:hiddenFill xmlns="" xmlns:a14="http://schemas.microsoft.com/office/drawing/2010/main">
                 <a:solidFill>
                   <a:schemeClr val="accent1"/>
                 </a:solidFill>
               </a14:hiddenFill>
             </a:ext>
             <a:ext uri="{91240B29-F687-4f45-9708-019B960494DF}">
-              <a14:hiddenLine xmlns:a14="http://schemas.microsoft.com/office/drawing/2010/main" xmlns="" w="9525" algn="ctr">
+              <a14:hiddenLine xmlns="" xmlns:a14="http://schemas.microsoft.com/office/drawing/2010/main" w="9525" algn="ctr">
                 <a:solidFill>
                   <a:schemeClr val="tx1"/>
                 </a:solidFill>
@@ -5966,7 +6769,7 @@
               </a14:hiddenLine>
             </a:ext>
             <a:ext uri="{AF507438-7753-43e0-B8FC-AC1667EBCBE1}">
-              <a14:hiddenEffects xmlns:a14="http://schemas.microsoft.com/office/drawing/2010/main" xmlns="">
+              <a14:hiddenEffects xmlns="" xmlns:a14="http://schemas.microsoft.com/office/drawing/2010/main">
                 <a:effectLst>
                   <a:outerShdw dist="35921" dir="2700000" algn="ctr" rotWithShape="0">
                     <a:schemeClr val="bg2"/>
@@ -5993,7 +6796,7 @@
               <a:defRPr/>
             </a:pPr>
             <a:r>
-              <a:rPr lang="pt-BR" sz="2300" b="1" dirty="0">
+              <a:rPr lang="pt-BR" sz="2300" b="1" dirty="0" smtClean="0">
                 <a:solidFill>
                   <a:schemeClr val="tx1">
                     <a:lumMod val="75000"/>
@@ -6002,7 +6805,19 @@
                 </a:solidFill>
                 <a:latin typeface="Calibri" pitchFamily="34" charset="0"/>
               </a:rPr>
-              <a:t>Apresentação dos mecanismos arquiteturais</a:t>
+              <a:t>dos </a:t>
+            </a:r>
+            <a:r>
+              <a:rPr lang="pt-BR" sz="2300" b="1" dirty="0">
+                <a:solidFill>
+                  <a:schemeClr val="tx1">
+                    <a:lumMod val="75000"/>
+                    <a:lumOff val="25000"/>
+                  </a:schemeClr>
+                </a:solidFill>
+                <a:latin typeface="Calibri" pitchFamily="34" charset="0"/>
+              </a:rPr>
+              <a:t>mecanismos arquiteturais</a:t>
             </a:r>
           </a:p>
           <a:p>
@@ -6093,14 +6908,14 @@
           </a:ln>
           <a:extLst>
             <a:ext uri="{909E8E84-426E-40dd-AFC4-6F175D3DCCD1}">
-              <a14:hiddenFill xmlns:a14="http://schemas.microsoft.com/office/drawing/2010/main" xmlns="">
+              <a14:hiddenFill xmlns="" xmlns:a14="http://schemas.microsoft.com/office/drawing/2010/main">
                 <a:solidFill>
                   <a:srgbClr val="FFFFFF"/>
                 </a:solidFill>
               </a14:hiddenFill>
             </a:ext>
             <a:ext uri="{91240B29-F687-4f45-9708-019B960494DF}">
-              <a14:hiddenLine xmlns:a14="http://schemas.microsoft.com/office/drawing/2010/main" xmlns="" w="9525">
+              <a14:hiddenLine xmlns="" xmlns:a14="http://schemas.microsoft.com/office/drawing/2010/main" w="9525">
                 <a:solidFill>
                   <a:srgbClr val="000000"/>
                 </a:solidFill>
@@ -6220,29 +7035,1569 @@
               </a:lnSpc>
             </a:pPr>
             <a:r>
+              <a:rPr lang="pt-BR" altLang="pt-BR" sz="2800" b="1" dirty="0" err="1">
+                <a:latin typeface="Calibri" charset="0"/>
+                <a:ea typeface="Calibri" charset="0"/>
+                <a:cs typeface="Calibri" charset="0"/>
+              </a:rPr>
+              <a:t>Ship</a:t>
+            </a:r>
+            <a:r>
               <a:rPr lang="pt-BR" altLang="pt-BR" sz="2800" b="1" dirty="0">
                 <a:latin typeface="Calibri" charset="0"/>
                 <a:ea typeface="Calibri" charset="0"/>
                 <a:cs typeface="Calibri" charset="0"/>
               </a:rPr>
-              <a:t>Título do trabalho (fonte </a:t>
-            </a:r>
-            <a:r>
-              <a:rPr lang="pt-BR" altLang="pt-BR" sz="2800" b="1" dirty="0" err="1">
-                <a:latin typeface="Calibri" charset="0"/>
-                <a:ea typeface="Calibri" charset="0"/>
-                <a:cs typeface="Calibri" charset="0"/>
-              </a:rPr>
-              <a:t>Calibri</a:t>
-            </a:r>
-            <a:r>
-              <a:rPr lang="pt-BR" altLang="pt-BR" sz="2800" b="1" dirty="0">
-                <a:latin typeface="Calibri" charset="0"/>
-                <a:ea typeface="Calibri" charset="0"/>
-                <a:cs typeface="Calibri" charset="0"/>
-              </a:rPr>
-              <a:t>, tamanho 28)</a:t>
-            </a:r>
+              <a:t> Shop Market</a:t>
+            </a:r>
+            <a:endParaRPr lang="pt-BR" altLang="pt-BR" sz="2800" b="1" dirty="0">
+              <a:latin typeface="Calibri" charset="0"/>
+              <a:ea typeface="Calibri" charset="0"/>
+              <a:cs typeface="Calibri" charset="0"/>
+            </a:endParaRPr>
+          </a:p>
+        </p:txBody>
+      </p:sp>
+      <p:graphicFrame>
+        <p:nvGraphicFramePr>
+          <p:cNvPr id="2" name="Tabela 1"/>
+          <p:cNvGraphicFramePr>
+            <a:graphicFrameLocks noGrp="1"/>
+          </p:cNvGraphicFramePr>
+          <p:nvPr>
+            <p:extLst>
+              <p:ext uri="{D42A27DB-BD31-4B8C-83A1-F6EECF244321}">
+                <p14:modId xmlns:p14="http://schemas.microsoft.com/office/powerpoint/2010/main" val="864963390"/>
+              </p:ext>
+            </p:extLst>
+          </p:nvPr>
+        </p:nvGraphicFramePr>
+        <p:xfrm>
+          <a:off x="228601" y="1749424"/>
+          <a:ext cx="8713786" cy="4290571"/>
+        </p:xfrm>
+        <a:graphic>
+          <a:graphicData uri="http://schemas.openxmlformats.org/drawingml/2006/table">
+            <a:tbl>
+              <a:tblPr firstRow="1" firstCol="1" bandRow="1">
+                <a:tableStyleId>{5C22544A-7EE6-4342-B048-85BDC9FD1C3A}</a:tableStyleId>
+              </a:tblPr>
+              <a:tblGrid>
+                <a:gridCol w="2904280"/>
+                <a:gridCol w="2904280"/>
+                <a:gridCol w="2905226"/>
+              </a:tblGrid>
+              <a:tr h="383642">
+                <a:tc>
+                  <a:txBody>
+                    <a:bodyPr/>
+                    <a:lstStyle/>
+                    <a:p>
+                      <a:pPr algn="ctr">
+                        <a:lnSpc>
+                          <a:spcPct val="150000"/>
+                        </a:lnSpc>
+                        <a:spcAft>
+                          <a:spcPts val="1000"/>
+                        </a:spcAft>
+                      </a:pPr>
+                      <a:r>
+                        <a:rPr lang="pt-BR" sz="1100" dirty="0">
+                          <a:solidFill>
+                            <a:schemeClr val="tx1">
+                              <a:lumMod val="95000"/>
+                              <a:lumOff val="5000"/>
+                            </a:schemeClr>
+                          </a:solidFill>
+                          <a:effectLst/>
+                        </a:rPr>
+                        <a:t>Mecanismo de Análise</a:t>
+                      </a:r>
+                      <a:endParaRPr lang="pt-BR" sz="1000" dirty="0">
+                        <a:solidFill>
+                          <a:schemeClr val="tx1">
+                            <a:lumMod val="95000"/>
+                            <a:lumOff val="5000"/>
+                          </a:schemeClr>
+                        </a:solidFill>
+                        <a:effectLst/>
+                        <a:latin typeface="Calibri" panose="020F0502020204030204" pitchFamily="34" charset="0"/>
+                        <a:ea typeface="Calibri" panose="020F0502020204030204" pitchFamily="34" charset="0"/>
+                        <a:cs typeface="Times New Roman" panose="02020603050405020304" pitchFamily="18" charset="0"/>
+                      </a:endParaRPr>
+                    </a:p>
+                  </a:txBody>
+                  <a:tcPr marL="65161" marR="65161" marT="0" marB="0"/>
+                </a:tc>
+                <a:tc>
+                  <a:txBody>
+                    <a:bodyPr/>
+                    <a:lstStyle/>
+                    <a:p>
+                      <a:pPr algn="ctr">
+                        <a:lnSpc>
+                          <a:spcPct val="150000"/>
+                        </a:lnSpc>
+                        <a:spcAft>
+                          <a:spcPts val="1000"/>
+                        </a:spcAft>
+                      </a:pPr>
+                      <a:r>
+                        <a:rPr lang="pt-BR" sz="1100" dirty="0">
+                          <a:solidFill>
+                            <a:schemeClr val="tx1">
+                              <a:lumMod val="95000"/>
+                              <a:lumOff val="5000"/>
+                            </a:schemeClr>
+                          </a:solidFill>
+                          <a:effectLst/>
+                        </a:rPr>
+                        <a:t>Mecanismo de Design</a:t>
+                      </a:r>
+                      <a:endParaRPr lang="pt-BR" sz="1000" dirty="0">
+                        <a:solidFill>
+                          <a:schemeClr val="tx1">
+                            <a:lumMod val="95000"/>
+                            <a:lumOff val="5000"/>
+                          </a:schemeClr>
+                        </a:solidFill>
+                        <a:effectLst/>
+                        <a:latin typeface="Calibri" panose="020F0502020204030204" pitchFamily="34" charset="0"/>
+                        <a:ea typeface="Calibri" panose="020F0502020204030204" pitchFamily="34" charset="0"/>
+                        <a:cs typeface="Times New Roman" panose="02020603050405020304" pitchFamily="18" charset="0"/>
+                      </a:endParaRPr>
+                    </a:p>
+                  </a:txBody>
+                  <a:tcPr marL="65161" marR="65161" marT="0" marB="0"/>
+                </a:tc>
+                <a:tc>
+                  <a:txBody>
+                    <a:bodyPr/>
+                    <a:lstStyle/>
+                    <a:p>
+                      <a:pPr algn="ctr">
+                        <a:lnSpc>
+                          <a:spcPct val="150000"/>
+                        </a:lnSpc>
+                        <a:spcAft>
+                          <a:spcPts val="1000"/>
+                        </a:spcAft>
+                      </a:pPr>
+                      <a:r>
+                        <a:rPr lang="pt-BR" sz="1100" dirty="0">
+                          <a:solidFill>
+                            <a:schemeClr val="tx1">
+                              <a:lumMod val="95000"/>
+                              <a:lumOff val="5000"/>
+                            </a:schemeClr>
+                          </a:solidFill>
+                          <a:effectLst/>
+                        </a:rPr>
+                        <a:t>Mecanismo de Implementação</a:t>
+                      </a:r>
+                      <a:endParaRPr lang="pt-BR" sz="1000" dirty="0">
+                        <a:solidFill>
+                          <a:schemeClr val="tx1">
+                            <a:lumMod val="95000"/>
+                            <a:lumOff val="5000"/>
+                          </a:schemeClr>
+                        </a:solidFill>
+                        <a:effectLst/>
+                        <a:latin typeface="Calibri" panose="020F0502020204030204" pitchFamily="34" charset="0"/>
+                        <a:ea typeface="Calibri" panose="020F0502020204030204" pitchFamily="34" charset="0"/>
+                        <a:cs typeface="Times New Roman" panose="02020603050405020304" pitchFamily="18" charset="0"/>
+                      </a:endParaRPr>
+                    </a:p>
+                  </a:txBody>
+                  <a:tcPr marL="65161" marR="65161" marT="0" marB="0"/>
+                </a:tc>
+              </a:tr>
+              <a:tr h="255761">
+                <a:tc>
+                  <a:txBody>
+                    <a:bodyPr/>
+                    <a:lstStyle/>
+                    <a:p>
+                      <a:pPr algn="just">
+                        <a:spcAft>
+                          <a:spcPts val="0"/>
+                        </a:spcAft>
+                      </a:pPr>
+                      <a:r>
+                        <a:rPr lang="pt-BR" sz="1100" dirty="0">
+                          <a:solidFill>
+                            <a:schemeClr val="tx1">
+                              <a:lumMod val="95000"/>
+                              <a:lumOff val="5000"/>
+                            </a:schemeClr>
+                          </a:solidFill>
+                          <a:effectLst/>
+                        </a:rPr>
+                        <a:t>Comunicação entre processos </a:t>
+                      </a:r>
+                      <a:endParaRPr lang="pt-BR" sz="1100" dirty="0">
+                        <a:solidFill>
+                          <a:schemeClr val="tx1">
+                            <a:lumMod val="95000"/>
+                            <a:lumOff val="5000"/>
+                          </a:schemeClr>
+                        </a:solidFill>
+                        <a:effectLst/>
+                        <a:latin typeface="Times New Roman" panose="02020603050405020304" pitchFamily="18" charset="0"/>
+                        <a:ea typeface="Calibri" panose="020F0502020204030204" pitchFamily="34" charset="0"/>
+                        <a:cs typeface="Times New Roman" panose="02020603050405020304" pitchFamily="18" charset="0"/>
+                      </a:endParaRPr>
+                    </a:p>
+                  </a:txBody>
+                  <a:tcPr marL="65161" marR="65161" marT="0" marB="0"/>
+                </a:tc>
+                <a:tc>
+                  <a:txBody>
+                    <a:bodyPr/>
+                    <a:lstStyle/>
+                    <a:p>
+                      <a:pPr algn="just">
+                        <a:spcAft>
+                          <a:spcPts val="0"/>
+                        </a:spcAft>
+                      </a:pPr>
+                      <a:r>
+                        <a:rPr lang="pt-BR" sz="1100">
+                          <a:effectLst/>
+                        </a:rPr>
+                        <a:t>Contêiner Web e Aplicação </a:t>
+                      </a:r>
+                      <a:endParaRPr lang="pt-BR" sz="1100">
+                        <a:solidFill>
+                          <a:srgbClr val="000000"/>
+                        </a:solidFill>
+                        <a:effectLst/>
+                        <a:latin typeface="Times New Roman" panose="02020603050405020304" pitchFamily="18" charset="0"/>
+                        <a:ea typeface="Calibri" panose="020F0502020204030204" pitchFamily="34" charset="0"/>
+                        <a:cs typeface="Times New Roman" panose="02020603050405020304" pitchFamily="18" charset="0"/>
+                      </a:endParaRPr>
+                    </a:p>
+                  </a:txBody>
+                  <a:tcPr marL="65161" marR="65161" marT="0" marB="0"/>
+                </a:tc>
+                <a:tc>
+                  <a:txBody>
+                    <a:bodyPr/>
+                    <a:lstStyle/>
+                    <a:p>
+                      <a:pPr>
+                        <a:spcAft>
+                          <a:spcPts val="0"/>
+                        </a:spcAft>
+                      </a:pPr>
+                      <a:r>
+                        <a:rPr lang="pt-BR" sz="1100">
+                          <a:effectLst/>
+                        </a:rPr>
+                        <a:t>Docker </a:t>
+                      </a:r>
+                      <a:endParaRPr lang="pt-BR" sz="1100">
+                        <a:solidFill>
+                          <a:srgbClr val="000000"/>
+                        </a:solidFill>
+                        <a:effectLst/>
+                        <a:latin typeface="Times New Roman" panose="02020603050405020304" pitchFamily="18" charset="0"/>
+                        <a:ea typeface="Calibri" panose="020F0502020204030204" pitchFamily="34" charset="0"/>
+                        <a:cs typeface="Times New Roman" panose="02020603050405020304" pitchFamily="18" charset="0"/>
+                      </a:endParaRPr>
+                    </a:p>
+                  </a:txBody>
+                  <a:tcPr marL="65161" marR="65161" marT="0" marB="0"/>
+                </a:tc>
+              </a:tr>
+              <a:tr h="340357">
+                <a:tc>
+                  <a:txBody>
+                    <a:bodyPr/>
+                    <a:lstStyle/>
+                    <a:p>
+                      <a:pPr algn="just">
+                        <a:spcAft>
+                          <a:spcPts val="0"/>
+                        </a:spcAft>
+                      </a:pPr>
+                      <a:r>
+                        <a:rPr lang="pt-BR" sz="1100" dirty="0">
+                          <a:solidFill>
+                            <a:schemeClr val="tx1">
+                              <a:lumMod val="95000"/>
+                              <a:lumOff val="5000"/>
+                            </a:schemeClr>
+                          </a:solidFill>
+                          <a:effectLst/>
+                        </a:rPr>
+                        <a:t>Integração com outros módulos e/ou sistemas </a:t>
+                      </a:r>
+                      <a:endParaRPr lang="pt-BR" sz="1100" dirty="0">
+                        <a:solidFill>
+                          <a:schemeClr val="tx1">
+                            <a:lumMod val="95000"/>
+                            <a:lumOff val="5000"/>
+                          </a:schemeClr>
+                        </a:solidFill>
+                        <a:effectLst/>
+                        <a:latin typeface="Times New Roman" panose="02020603050405020304" pitchFamily="18" charset="0"/>
+                        <a:ea typeface="Calibri" panose="020F0502020204030204" pitchFamily="34" charset="0"/>
+                        <a:cs typeface="Times New Roman" panose="02020603050405020304" pitchFamily="18" charset="0"/>
+                      </a:endParaRPr>
+                    </a:p>
+                  </a:txBody>
+                  <a:tcPr marL="65161" marR="65161" marT="0" marB="0"/>
+                </a:tc>
+                <a:tc>
+                  <a:txBody>
+                    <a:bodyPr/>
+                    <a:lstStyle/>
+                    <a:p>
+                      <a:pPr algn="just">
+                        <a:spcAft>
+                          <a:spcPts val="0"/>
+                        </a:spcAft>
+                      </a:pPr>
+                      <a:r>
+                        <a:rPr lang="pt-BR" sz="1100">
+                          <a:effectLst/>
+                        </a:rPr>
+                        <a:t>Interfaces utilizando XML e/ou JSON </a:t>
+                      </a:r>
+                      <a:endParaRPr lang="pt-BR" sz="1100">
+                        <a:solidFill>
+                          <a:srgbClr val="000000"/>
+                        </a:solidFill>
+                        <a:effectLst/>
+                        <a:latin typeface="Times New Roman" panose="02020603050405020304" pitchFamily="18" charset="0"/>
+                        <a:ea typeface="Calibri" panose="020F0502020204030204" pitchFamily="34" charset="0"/>
+                        <a:cs typeface="Times New Roman" panose="02020603050405020304" pitchFamily="18" charset="0"/>
+                      </a:endParaRPr>
+                    </a:p>
+                  </a:txBody>
+                  <a:tcPr marL="65161" marR="65161" marT="0" marB="0"/>
+                </a:tc>
+                <a:tc>
+                  <a:txBody>
+                    <a:bodyPr/>
+                    <a:lstStyle/>
+                    <a:p>
+                      <a:pPr algn="just">
+                        <a:spcAft>
+                          <a:spcPts val="0"/>
+                        </a:spcAft>
+                      </a:pPr>
+                      <a:r>
+                        <a:rPr lang="pt-BR" sz="1100">
+                          <a:effectLst/>
+                        </a:rPr>
+                        <a:t>WebServices e WebAPI </a:t>
+                      </a:r>
+                      <a:endParaRPr lang="pt-BR" sz="1100">
+                        <a:solidFill>
+                          <a:srgbClr val="000000"/>
+                        </a:solidFill>
+                        <a:effectLst/>
+                        <a:latin typeface="Times New Roman" panose="02020603050405020304" pitchFamily="18" charset="0"/>
+                        <a:ea typeface="Calibri" panose="020F0502020204030204" pitchFamily="34" charset="0"/>
+                        <a:cs typeface="Times New Roman" panose="02020603050405020304" pitchFamily="18" charset="0"/>
+                      </a:endParaRPr>
+                    </a:p>
+                  </a:txBody>
+                  <a:tcPr marL="65161" marR="65161" marT="0" marB="0"/>
+                </a:tc>
+              </a:tr>
+              <a:tr h="299545">
+                <a:tc>
+                  <a:txBody>
+                    <a:bodyPr/>
+                    <a:lstStyle/>
+                    <a:p>
+                      <a:pPr algn="just">
+                        <a:spcAft>
+                          <a:spcPts val="0"/>
+                        </a:spcAft>
+                      </a:pPr>
+                      <a:r>
+                        <a:rPr lang="pt-BR" sz="1100" dirty="0">
+                          <a:solidFill>
+                            <a:schemeClr val="tx1">
+                              <a:lumMod val="95000"/>
+                              <a:lumOff val="5000"/>
+                            </a:schemeClr>
+                          </a:solidFill>
+                          <a:effectLst/>
+                        </a:rPr>
+                        <a:t>ESB </a:t>
+                      </a:r>
+                      <a:endParaRPr lang="pt-BR" sz="1100" dirty="0">
+                        <a:solidFill>
+                          <a:schemeClr val="tx1">
+                            <a:lumMod val="95000"/>
+                            <a:lumOff val="5000"/>
+                          </a:schemeClr>
+                        </a:solidFill>
+                        <a:effectLst/>
+                        <a:latin typeface="Times New Roman" panose="02020603050405020304" pitchFamily="18" charset="0"/>
+                        <a:ea typeface="Calibri" panose="020F0502020204030204" pitchFamily="34" charset="0"/>
+                        <a:cs typeface="Times New Roman" panose="02020603050405020304" pitchFamily="18" charset="0"/>
+                      </a:endParaRPr>
+                    </a:p>
+                  </a:txBody>
+                  <a:tcPr marL="65161" marR="65161" marT="0" marB="0"/>
+                </a:tc>
+                <a:tc>
+                  <a:txBody>
+                    <a:bodyPr/>
+                    <a:lstStyle/>
+                    <a:p>
+                      <a:pPr algn="just">
+                        <a:spcAft>
+                          <a:spcPts val="0"/>
+                        </a:spcAft>
+                      </a:pPr>
+                      <a:r>
+                        <a:rPr lang="pt-BR" sz="1100" dirty="0">
+                          <a:effectLst/>
+                        </a:rPr>
+                        <a:t>Integração através de </a:t>
+                      </a:r>
+                      <a:r>
+                        <a:rPr lang="pt-BR" sz="1100" dirty="0" smtClean="0">
+                          <a:effectLst/>
+                        </a:rPr>
+                        <a:t>mensagens </a:t>
+                      </a:r>
+                      <a:endParaRPr lang="pt-BR" sz="1100" dirty="0">
+                        <a:solidFill>
+                          <a:srgbClr val="000000"/>
+                        </a:solidFill>
+                        <a:effectLst/>
+                        <a:latin typeface="Times New Roman" panose="02020603050405020304" pitchFamily="18" charset="0"/>
+                        <a:ea typeface="Calibri" panose="020F0502020204030204" pitchFamily="34" charset="0"/>
+                        <a:cs typeface="Times New Roman" panose="02020603050405020304" pitchFamily="18" charset="0"/>
+                      </a:endParaRPr>
+                    </a:p>
+                  </a:txBody>
+                  <a:tcPr marL="65161" marR="65161" marT="0" marB="0"/>
+                </a:tc>
+                <a:tc>
+                  <a:txBody>
+                    <a:bodyPr/>
+                    <a:lstStyle/>
+                    <a:p>
+                      <a:pPr algn="just">
+                        <a:spcAft>
+                          <a:spcPts val="0"/>
+                        </a:spcAft>
+                      </a:pPr>
+                      <a:r>
+                        <a:rPr lang="pt-BR" sz="1100">
+                          <a:effectLst/>
+                        </a:rPr>
+                        <a:t>Mule </a:t>
+                      </a:r>
+                      <a:endParaRPr lang="pt-BR" sz="1100">
+                        <a:solidFill>
+                          <a:srgbClr val="000000"/>
+                        </a:solidFill>
+                        <a:effectLst/>
+                        <a:latin typeface="Times New Roman" panose="02020603050405020304" pitchFamily="18" charset="0"/>
+                        <a:ea typeface="Calibri" panose="020F0502020204030204" pitchFamily="34" charset="0"/>
+                        <a:cs typeface="Times New Roman" panose="02020603050405020304" pitchFamily="18" charset="0"/>
+                      </a:endParaRPr>
+                    </a:p>
+                  </a:txBody>
+                  <a:tcPr marL="65161" marR="65161" marT="0" marB="0"/>
+                </a:tc>
+              </a:tr>
+              <a:tr h="170179">
+                <a:tc>
+                  <a:txBody>
+                    <a:bodyPr/>
+                    <a:lstStyle/>
+                    <a:p>
+                      <a:pPr algn="just">
+                        <a:spcAft>
+                          <a:spcPts val="0"/>
+                        </a:spcAft>
+                      </a:pPr>
+                      <a:r>
+                        <a:rPr lang="pt-BR" sz="1100" dirty="0">
+                          <a:solidFill>
+                            <a:schemeClr val="tx1">
+                              <a:lumMod val="95000"/>
+                              <a:lumOff val="5000"/>
+                            </a:schemeClr>
+                          </a:solidFill>
+                          <a:effectLst/>
+                        </a:rPr>
+                        <a:t>Log </a:t>
+                      </a:r>
+                      <a:endParaRPr lang="pt-BR" sz="1100" dirty="0">
+                        <a:solidFill>
+                          <a:schemeClr val="tx1">
+                            <a:lumMod val="95000"/>
+                            <a:lumOff val="5000"/>
+                          </a:schemeClr>
+                        </a:solidFill>
+                        <a:effectLst/>
+                        <a:latin typeface="Times New Roman" panose="02020603050405020304" pitchFamily="18" charset="0"/>
+                        <a:ea typeface="Calibri" panose="020F0502020204030204" pitchFamily="34" charset="0"/>
+                        <a:cs typeface="Times New Roman" panose="02020603050405020304" pitchFamily="18" charset="0"/>
+                      </a:endParaRPr>
+                    </a:p>
+                  </a:txBody>
+                  <a:tcPr marL="65161" marR="65161" marT="0" marB="0"/>
+                </a:tc>
+                <a:tc>
+                  <a:txBody>
+                    <a:bodyPr/>
+                    <a:lstStyle/>
+                    <a:p>
+                      <a:pPr algn="just">
+                        <a:spcAft>
+                          <a:spcPts val="0"/>
+                        </a:spcAft>
+                      </a:pPr>
+                      <a:r>
+                        <a:rPr lang="pt-BR" sz="1100">
+                          <a:effectLst/>
+                        </a:rPr>
+                        <a:t>Framework de Log </a:t>
+                      </a:r>
+                      <a:endParaRPr lang="pt-BR" sz="1100">
+                        <a:solidFill>
+                          <a:srgbClr val="000000"/>
+                        </a:solidFill>
+                        <a:effectLst/>
+                        <a:latin typeface="Times New Roman" panose="02020603050405020304" pitchFamily="18" charset="0"/>
+                        <a:ea typeface="Calibri" panose="020F0502020204030204" pitchFamily="34" charset="0"/>
+                        <a:cs typeface="Times New Roman" panose="02020603050405020304" pitchFamily="18" charset="0"/>
+                      </a:endParaRPr>
+                    </a:p>
+                  </a:txBody>
+                  <a:tcPr marL="65161" marR="65161" marT="0" marB="0"/>
+                </a:tc>
+                <a:tc>
+                  <a:txBody>
+                    <a:bodyPr/>
+                    <a:lstStyle/>
+                    <a:p>
+                      <a:pPr algn="just">
+                        <a:spcAft>
+                          <a:spcPts val="0"/>
+                        </a:spcAft>
+                      </a:pPr>
+                      <a:r>
+                        <a:rPr lang="pt-BR" sz="1100">
+                          <a:effectLst/>
+                        </a:rPr>
+                        <a:t>log4J</a:t>
+                      </a:r>
+                      <a:endParaRPr lang="pt-BR" sz="1100">
+                        <a:solidFill>
+                          <a:srgbClr val="000000"/>
+                        </a:solidFill>
+                        <a:effectLst/>
+                        <a:latin typeface="Times New Roman" panose="02020603050405020304" pitchFamily="18" charset="0"/>
+                        <a:ea typeface="Calibri" panose="020F0502020204030204" pitchFamily="34" charset="0"/>
+                        <a:cs typeface="Times New Roman" panose="02020603050405020304" pitchFamily="18" charset="0"/>
+                      </a:endParaRPr>
+                    </a:p>
+                  </a:txBody>
+                  <a:tcPr marL="65161" marR="65161" marT="0" marB="0"/>
+                </a:tc>
+              </a:tr>
+              <a:tr h="213032">
+                <a:tc>
+                  <a:txBody>
+                    <a:bodyPr/>
+                    <a:lstStyle/>
+                    <a:p>
+                      <a:pPr algn="just">
+                        <a:spcAft>
+                          <a:spcPts val="0"/>
+                        </a:spcAft>
+                      </a:pPr>
+                      <a:r>
+                        <a:rPr lang="pt-BR" sz="1100" dirty="0">
+                          <a:solidFill>
+                            <a:schemeClr val="tx1">
+                              <a:lumMod val="95000"/>
+                              <a:lumOff val="5000"/>
+                            </a:schemeClr>
+                          </a:solidFill>
+                          <a:effectLst/>
+                        </a:rPr>
+                        <a:t>Cache </a:t>
+                      </a:r>
+                      <a:endParaRPr lang="pt-BR" sz="1100" dirty="0">
+                        <a:solidFill>
+                          <a:schemeClr val="tx1">
+                            <a:lumMod val="95000"/>
+                            <a:lumOff val="5000"/>
+                          </a:schemeClr>
+                        </a:solidFill>
+                        <a:effectLst/>
+                        <a:latin typeface="Times New Roman" panose="02020603050405020304" pitchFamily="18" charset="0"/>
+                        <a:ea typeface="Calibri" panose="020F0502020204030204" pitchFamily="34" charset="0"/>
+                        <a:cs typeface="Times New Roman" panose="02020603050405020304" pitchFamily="18" charset="0"/>
+                      </a:endParaRPr>
+                    </a:p>
+                  </a:txBody>
+                  <a:tcPr marL="65161" marR="65161" marT="0" marB="0"/>
+                </a:tc>
+                <a:tc>
+                  <a:txBody>
+                    <a:bodyPr/>
+                    <a:lstStyle/>
+                    <a:p>
+                      <a:pPr algn="just">
+                        <a:spcAft>
+                          <a:spcPts val="0"/>
+                        </a:spcAft>
+                      </a:pPr>
+                      <a:r>
+                        <a:rPr lang="pt-BR" sz="1100">
+                          <a:effectLst/>
+                        </a:rPr>
+                        <a:t>Framework de cache </a:t>
+                      </a:r>
+                      <a:endParaRPr lang="pt-BR" sz="1100">
+                        <a:solidFill>
+                          <a:srgbClr val="000000"/>
+                        </a:solidFill>
+                        <a:effectLst/>
+                        <a:latin typeface="Times New Roman" panose="02020603050405020304" pitchFamily="18" charset="0"/>
+                        <a:ea typeface="Calibri" panose="020F0502020204030204" pitchFamily="34" charset="0"/>
+                        <a:cs typeface="Times New Roman" panose="02020603050405020304" pitchFamily="18" charset="0"/>
+                      </a:endParaRPr>
+                    </a:p>
+                  </a:txBody>
+                  <a:tcPr marL="65161" marR="65161" marT="0" marB="0"/>
+                </a:tc>
+                <a:tc>
+                  <a:txBody>
+                    <a:bodyPr/>
+                    <a:lstStyle/>
+                    <a:p>
+                      <a:pPr algn="just">
+                        <a:spcAft>
+                          <a:spcPts val="0"/>
+                        </a:spcAft>
+                      </a:pPr>
+                      <a:r>
+                        <a:rPr lang="pt-BR" sz="1100">
+                          <a:effectLst/>
+                        </a:rPr>
+                        <a:t>Redis </a:t>
+                      </a:r>
+                      <a:endParaRPr lang="pt-BR" sz="1100">
+                        <a:solidFill>
+                          <a:srgbClr val="000000"/>
+                        </a:solidFill>
+                        <a:effectLst/>
+                        <a:latin typeface="Times New Roman" panose="02020603050405020304" pitchFamily="18" charset="0"/>
+                        <a:ea typeface="Calibri" panose="020F0502020204030204" pitchFamily="34" charset="0"/>
+                        <a:cs typeface="Times New Roman" panose="02020603050405020304" pitchFamily="18" charset="0"/>
+                      </a:endParaRPr>
+                    </a:p>
+                  </a:txBody>
+                  <a:tcPr marL="65161" marR="65161" marT="0" marB="0"/>
+                </a:tc>
+              </a:tr>
+              <a:tr h="340357">
+                <a:tc>
+                  <a:txBody>
+                    <a:bodyPr/>
+                    <a:lstStyle/>
+                    <a:p>
+                      <a:pPr algn="just">
+                        <a:spcAft>
+                          <a:spcPts val="0"/>
+                        </a:spcAft>
+                      </a:pPr>
+                      <a:r>
+                        <a:rPr lang="pt-BR" sz="1100" dirty="0">
+                          <a:solidFill>
+                            <a:schemeClr val="tx1">
+                              <a:lumMod val="95000"/>
+                              <a:lumOff val="5000"/>
+                            </a:schemeClr>
+                          </a:solidFill>
+                          <a:effectLst/>
+                        </a:rPr>
+                        <a:t>Build </a:t>
+                      </a:r>
+                      <a:endParaRPr lang="pt-BR" sz="1100" dirty="0">
+                        <a:solidFill>
+                          <a:schemeClr val="tx1">
+                            <a:lumMod val="95000"/>
+                            <a:lumOff val="5000"/>
+                          </a:schemeClr>
+                        </a:solidFill>
+                        <a:effectLst/>
+                        <a:latin typeface="Times New Roman" panose="02020603050405020304" pitchFamily="18" charset="0"/>
+                        <a:ea typeface="Calibri" panose="020F0502020204030204" pitchFamily="34" charset="0"/>
+                        <a:cs typeface="Times New Roman" panose="02020603050405020304" pitchFamily="18" charset="0"/>
+                      </a:endParaRPr>
+                    </a:p>
+                  </a:txBody>
+                  <a:tcPr marL="65161" marR="65161" marT="0" marB="0"/>
+                </a:tc>
+                <a:tc>
+                  <a:txBody>
+                    <a:bodyPr/>
+                    <a:lstStyle/>
+                    <a:p>
+                      <a:pPr algn="just">
+                        <a:spcAft>
+                          <a:spcPts val="0"/>
+                        </a:spcAft>
+                      </a:pPr>
+                      <a:r>
+                        <a:rPr lang="pt-BR" sz="1100">
+                          <a:effectLst/>
+                        </a:rPr>
+                        <a:t>Geração de artefato para servidor de aplicação </a:t>
+                      </a:r>
+                      <a:endParaRPr lang="pt-BR" sz="1100">
+                        <a:solidFill>
+                          <a:srgbClr val="000000"/>
+                        </a:solidFill>
+                        <a:effectLst/>
+                        <a:latin typeface="Times New Roman" panose="02020603050405020304" pitchFamily="18" charset="0"/>
+                        <a:ea typeface="Calibri" panose="020F0502020204030204" pitchFamily="34" charset="0"/>
+                        <a:cs typeface="Times New Roman" panose="02020603050405020304" pitchFamily="18" charset="0"/>
+                      </a:endParaRPr>
+                    </a:p>
+                  </a:txBody>
+                  <a:tcPr marL="65161" marR="65161" marT="0" marB="0"/>
+                </a:tc>
+                <a:tc>
+                  <a:txBody>
+                    <a:bodyPr/>
+                    <a:lstStyle/>
+                    <a:p>
+                      <a:pPr algn="just">
+                        <a:spcAft>
+                          <a:spcPts val="0"/>
+                        </a:spcAft>
+                      </a:pPr>
+                      <a:r>
+                        <a:rPr lang="pt-BR" sz="1100" dirty="0" err="1" smtClean="0">
+                          <a:effectLst/>
+                        </a:rPr>
+                        <a:t>Maven</a:t>
+                      </a:r>
+                      <a:endParaRPr lang="pt-BR" sz="1100" dirty="0">
+                        <a:solidFill>
+                          <a:srgbClr val="000000"/>
+                        </a:solidFill>
+                        <a:effectLst/>
+                        <a:latin typeface="Times New Roman" panose="02020603050405020304" pitchFamily="18" charset="0"/>
+                        <a:ea typeface="Calibri" panose="020F0502020204030204" pitchFamily="34" charset="0"/>
+                        <a:cs typeface="Times New Roman" panose="02020603050405020304" pitchFamily="18" charset="0"/>
+                      </a:endParaRPr>
+                    </a:p>
+                  </a:txBody>
+                  <a:tcPr marL="65161" marR="65161" marT="0" marB="0"/>
+                </a:tc>
+              </a:tr>
+              <a:tr h="449316">
+                <a:tc>
+                  <a:txBody>
+                    <a:bodyPr/>
+                    <a:lstStyle/>
+                    <a:p>
+                      <a:pPr algn="just">
+                        <a:spcAft>
+                          <a:spcPts val="0"/>
+                        </a:spcAft>
+                      </a:pPr>
+                      <a:r>
+                        <a:rPr lang="pt-BR" sz="1100" dirty="0" err="1">
+                          <a:solidFill>
+                            <a:schemeClr val="tx1">
+                              <a:lumMod val="95000"/>
+                              <a:lumOff val="5000"/>
+                            </a:schemeClr>
+                          </a:solidFill>
+                          <a:effectLst/>
+                        </a:rPr>
+                        <a:t>Deploy</a:t>
+                      </a:r>
+                      <a:r>
+                        <a:rPr lang="pt-BR" sz="1100" dirty="0">
+                          <a:solidFill>
+                            <a:schemeClr val="tx1">
+                              <a:lumMod val="95000"/>
+                              <a:lumOff val="5000"/>
+                            </a:schemeClr>
+                          </a:solidFill>
+                          <a:effectLst/>
+                        </a:rPr>
+                        <a:t> </a:t>
+                      </a:r>
+                      <a:endParaRPr lang="pt-BR" sz="1100" dirty="0">
+                        <a:solidFill>
+                          <a:schemeClr val="tx1">
+                            <a:lumMod val="95000"/>
+                            <a:lumOff val="5000"/>
+                          </a:schemeClr>
+                        </a:solidFill>
+                        <a:effectLst/>
+                        <a:latin typeface="Times New Roman" panose="02020603050405020304" pitchFamily="18" charset="0"/>
+                        <a:ea typeface="Calibri" panose="020F0502020204030204" pitchFamily="34" charset="0"/>
+                        <a:cs typeface="Times New Roman" panose="02020603050405020304" pitchFamily="18" charset="0"/>
+                      </a:endParaRPr>
+                    </a:p>
+                  </a:txBody>
+                  <a:tcPr marL="65161" marR="65161" marT="0" marB="0"/>
+                </a:tc>
+                <a:tc>
+                  <a:txBody>
+                    <a:bodyPr/>
+                    <a:lstStyle/>
+                    <a:p>
+                      <a:pPr algn="just">
+                        <a:spcAft>
+                          <a:spcPts val="0"/>
+                        </a:spcAft>
+                      </a:pPr>
+                      <a:r>
+                        <a:rPr lang="pt-BR" sz="1100">
+                          <a:effectLst/>
+                        </a:rPr>
+                        <a:t>Deploy da aplicação no servidor e testes automatizados. </a:t>
+                      </a:r>
+                      <a:endParaRPr lang="pt-BR" sz="1100">
+                        <a:solidFill>
+                          <a:srgbClr val="000000"/>
+                        </a:solidFill>
+                        <a:effectLst/>
+                        <a:latin typeface="Times New Roman" panose="02020603050405020304" pitchFamily="18" charset="0"/>
+                        <a:ea typeface="Calibri" panose="020F0502020204030204" pitchFamily="34" charset="0"/>
+                        <a:cs typeface="Times New Roman" panose="02020603050405020304" pitchFamily="18" charset="0"/>
+                      </a:endParaRPr>
+                    </a:p>
+                  </a:txBody>
+                  <a:tcPr marL="65161" marR="65161" marT="0" marB="0"/>
+                </a:tc>
+                <a:tc>
+                  <a:txBody>
+                    <a:bodyPr/>
+                    <a:lstStyle/>
+                    <a:p>
+                      <a:pPr algn="just">
+                        <a:spcAft>
+                          <a:spcPts val="0"/>
+                        </a:spcAft>
+                      </a:pPr>
+                      <a:r>
+                        <a:rPr lang="pt-BR" sz="1100">
+                          <a:effectLst/>
+                        </a:rPr>
+                        <a:t>Jenkins </a:t>
+                      </a:r>
+                      <a:endParaRPr lang="pt-BR" sz="1100">
+                        <a:solidFill>
+                          <a:srgbClr val="000000"/>
+                        </a:solidFill>
+                        <a:effectLst/>
+                        <a:latin typeface="Times New Roman" panose="02020603050405020304" pitchFamily="18" charset="0"/>
+                        <a:ea typeface="Calibri" panose="020F0502020204030204" pitchFamily="34" charset="0"/>
+                        <a:cs typeface="Times New Roman" panose="02020603050405020304" pitchFamily="18" charset="0"/>
+                      </a:endParaRPr>
+                    </a:p>
+                  </a:txBody>
+                  <a:tcPr marL="65161" marR="65161" marT="0" marB="0"/>
+                </a:tc>
+              </a:tr>
+              <a:tr h="340357">
+                <a:tc>
+                  <a:txBody>
+                    <a:bodyPr/>
+                    <a:lstStyle/>
+                    <a:p>
+                      <a:pPr algn="just">
+                        <a:spcAft>
+                          <a:spcPts val="0"/>
+                        </a:spcAft>
+                      </a:pPr>
+                      <a:r>
+                        <a:rPr lang="pt-BR" sz="1100" dirty="0">
+                          <a:solidFill>
+                            <a:schemeClr val="tx1">
+                              <a:lumMod val="95000"/>
+                              <a:lumOff val="5000"/>
+                            </a:schemeClr>
+                          </a:solidFill>
+                          <a:effectLst/>
+                        </a:rPr>
+                        <a:t>Front-</a:t>
+                      </a:r>
+                      <a:r>
+                        <a:rPr lang="pt-BR" sz="1100" dirty="0" err="1">
+                          <a:solidFill>
+                            <a:schemeClr val="tx1">
+                              <a:lumMod val="95000"/>
+                              <a:lumOff val="5000"/>
+                            </a:schemeClr>
+                          </a:solidFill>
+                          <a:effectLst/>
+                        </a:rPr>
+                        <a:t>End</a:t>
+                      </a:r>
+                      <a:r>
+                        <a:rPr lang="pt-BR" sz="1100" dirty="0">
+                          <a:solidFill>
+                            <a:schemeClr val="tx1">
+                              <a:lumMod val="95000"/>
+                              <a:lumOff val="5000"/>
+                            </a:schemeClr>
+                          </a:solidFill>
+                          <a:effectLst/>
+                        </a:rPr>
+                        <a:t> </a:t>
+                      </a:r>
+                      <a:endParaRPr lang="pt-BR" sz="1100" dirty="0">
+                        <a:solidFill>
+                          <a:schemeClr val="tx1">
+                            <a:lumMod val="95000"/>
+                            <a:lumOff val="5000"/>
+                          </a:schemeClr>
+                        </a:solidFill>
+                        <a:effectLst/>
+                        <a:latin typeface="Times New Roman" panose="02020603050405020304" pitchFamily="18" charset="0"/>
+                        <a:ea typeface="Calibri" panose="020F0502020204030204" pitchFamily="34" charset="0"/>
+                        <a:cs typeface="Times New Roman" panose="02020603050405020304" pitchFamily="18" charset="0"/>
+                      </a:endParaRPr>
+                    </a:p>
+                  </a:txBody>
+                  <a:tcPr marL="65161" marR="65161" marT="0" marB="0"/>
+                </a:tc>
+                <a:tc>
+                  <a:txBody>
+                    <a:bodyPr/>
+                    <a:lstStyle/>
+                    <a:p>
+                      <a:pPr algn="just">
+                        <a:spcAft>
+                          <a:spcPts val="0"/>
+                        </a:spcAft>
+                      </a:pPr>
+                      <a:r>
+                        <a:rPr lang="pt-BR" sz="1100">
+                          <a:effectLst/>
+                        </a:rPr>
+                        <a:t>Interface de comunicação com o usuário do sistema. </a:t>
+                      </a:r>
+                      <a:endParaRPr lang="pt-BR" sz="1100">
+                        <a:solidFill>
+                          <a:srgbClr val="000000"/>
+                        </a:solidFill>
+                        <a:effectLst/>
+                        <a:latin typeface="Times New Roman" panose="02020603050405020304" pitchFamily="18" charset="0"/>
+                        <a:ea typeface="Calibri" panose="020F0502020204030204" pitchFamily="34" charset="0"/>
+                        <a:cs typeface="Times New Roman" panose="02020603050405020304" pitchFamily="18" charset="0"/>
+                      </a:endParaRPr>
+                    </a:p>
+                  </a:txBody>
+                  <a:tcPr marL="65161" marR="65161" marT="0" marB="0"/>
+                </a:tc>
+                <a:tc>
+                  <a:txBody>
+                    <a:bodyPr/>
+                    <a:lstStyle/>
+                    <a:p>
+                      <a:pPr algn="just">
+                        <a:spcAft>
+                          <a:spcPts val="0"/>
+                        </a:spcAft>
+                      </a:pPr>
+                      <a:r>
+                        <a:rPr lang="pt-BR" sz="1100">
+                          <a:effectLst/>
+                        </a:rPr>
+                        <a:t>HTML5, bootstrap e JSF</a:t>
+                      </a:r>
+                      <a:endParaRPr lang="pt-BR" sz="1100">
+                        <a:solidFill>
+                          <a:srgbClr val="000000"/>
+                        </a:solidFill>
+                        <a:effectLst/>
+                        <a:latin typeface="Times New Roman" panose="02020603050405020304" pitchFamily="18" charset="0"/>
+                        <a:ea typeface="Calibri" panose="020F0502020204030204" pitchFamily="34" charset="0"/>
+                        <a:cs typeface="Times New Roman" panose="02020603050405020304" pitchFamily="18" charset="0"/>
+                      </a:endParaRPr>
+                    </a:p>
+                  </a:txBody>
+                  <a:tcPr marL="65161" marR="65161" marT="0" marB="0"/>
+                </a:tc>
+              </a:tr>
+              <a:tr h="340357">
+                <a:tc>
+                  <a:txBody>
+                    <a:bodyPr/>
+                    <a:lstStyle/>
+                    <a:p>
+                      <a:pPr algn="just">
+                        <a:spcAft>
+                          <a:spcPts val="0"/>
+                        </a:spcAft>
+                      </a:pPr>
+                      <a:r>
+                        <a:rPr lang="pt-BR" sz="1100">
+                          <a:solidFill>
+                            <a:schemeClr val="tx1">
+                              <a:lumMod val="95000"/>
+                              <a:lumOff val="5000"/>
+                            </a:schemeClr>
+                          </a:solidFill>
+                          <a:effectLst/>
+                        </a:rPr>
+                        <a:t>Versionamento </a:t>
+                      </a:r>
+                      <a:endParaRPr lang="pt-BR" sz="1100">
+                        <a:solidFill>
+                          <a:schemeClr val="tx1">
+                            <a:lumMod val="95000"/>
+                            <a:lumOff val="5000"/>
+                          </a:schemeClr>
+                        </a:solidFill>
+                        <a:effectLst/>
+                        <a:latin typeface="Times New Roman" panose="02020603050405020304" pitchFamily="18" charset="0"/>
+                        <a:ea typeface="Calibri" panose="020F0502020204030204" pitchFamily="34" charset="0"/>
+                        <a:cs typeface="Times New Roman" panose="02020603050405020304" pitchFamily="18" charset="0"/>
+                      </a:endParaRPr>
+                    </a:p>
+                  </a:txBody>
+                  <a:tcPr marL="65161" marR="65161" marT="0" marB="0"/>
+                </a:tc>
+                <a:tc>
+                  <a:txBody>
+                    <a:bodyPr/>
+                    <a:lstStyle/>
+                    <a:p>
+                      <a:pPr algn="just">
+                        <a:spcAft>
+                          <a:spcPts val="0"/>
+                        </a:spcAft>
+                      </a:pPr>
+                      <a:r>
+                        <a:rPr lang="pt-BR" sz="1100">
+                          <a:effectLst/>
+                        </a:rPr>
+                        <a:t>Versionamento do código-fonte da aplicação. </a:t>
+                      </a:r>
+                      <a:endParaRPr lang="pt-BR" sz="1100">
+                        <a:solidFill>
+                          <a:srgbClr val="000000"/>
+                        </a:solidFill>
+                        <a:effectLst/>
+                        <a:latin typeface="Times New Roman" panose="02020603050405020304" pitchFamily="18" charset="0"/>
+                        <a:ea typeface="Calibri" panose="020F0502020204030204" pitchFamily="34" charset="0"/>
+                        <a:cs typeface="Times New Roman" panose="02020603050405020304" pitchFamily="18" charset="0"/>
+                      </a:endParaRPr>
+                    </a:p>
+                  </a:txBody>
+                  <a:tcPr marL="65161" marR="65161" marT="0" marB="0"/>
+                </a:tc>
+                <a:tc>
+                  <a:txBody>
+                    <a:bodyPr/>
+                    <a:lstStyle/>
+                    <a:p>
+                      <a:pPr algn="just">
+                        <a:spcAft>
+                          <a:spcPts val="0"/>
+                        </a:spcAft>
+                      </a:pPr>
+                      <a:r>
+                        <a:rPr lang="pt-BR" sz="1100">
+                          <a:effectLst/>
+                        </a:rPr>
+                        <a:t>Git </a:t>
+                      </a:r>
+                      <a:endParaRPr lang="pt-BR" sz="1100">
+                        <a:solidFill>
+                          <a:srgbClr val="000000"/>
+                        </a:solidFill>
+                        <a:effectLst/>
+                        <a:latin typeface="Times New Roman" panose="02020603050405020304" pitchFamily="18" charset="0"/>
+                        <a:ea typeface="Calibri" panose="020F0502020204030204" pitchFamily="34" charset="0"/>
+                        <a:cs typeface="Times New Roman" panose="02020603050405020304" pitchFamily="18" charset="0"/>
+                      </a:endParaRPr>
+                    </a:p>
+                  </a:txBody>
+                  <a:tcPr marL="65161" marR="65161" marT="0" marB="0"/>
+                </a:tc>
+              </a:tr>
+              <a:tr h="340357">
+                <a:tc>
+                  <a:txBody>
+                    <a:bodyPr/>
+                    <a:lstStyle/>
+                    <a:p>
+                      <a:pPr algn="just">
+                        <a:spcAft>
+                          <a:spcPts val="0"/>
+                        </a:spcAft>
+                      </a:pPr>
+                      <a:r>
+                        <a:rPr lang="pt-BR" sz="1100" dirty="0">
+                          <a:solidFill>
+                            <a:schemeClr val="tx1">
+                              <a:lumMod val="95000"/>
+                              <a:lumOff val="5000"/>
+                            </a:schemeClr>
+                          </a:solidFill>
+                          <a:effectLst/>
+                        </a:rPr>
+                        <a:t>Autenticação e Autorização </a:t>
+                      </a:r>
+                      <a:endParaRPr lang="pt-BR" sz="1100" dirty="0">
+                        <a:solidFill>
+                          <a:schemeClr val="tx1">
+                            <a:lumMod val="95000"/>
+                            <a:lumOff val="5000"/>
+                          </a:schemeClr>
+                        </a:solidFill>
+                        <a:effectLst/>
+                        <a:latin typeface="Times New Roman" panose="02020603050405020304" pitchFamily="18" charset="0"/>
+                        <a:ea typeface="Calibri" panose="020F0502020204030204" pitchFamily="34" charset="0"/>
+                        <a:cs typeface="Times New Roman" panose="02020603050405020304" pitchFamily="18" charset="0"/>
+                      </a:endParaRPr>
+                    </a:p>
+                  </a:txBody>
+                  <a:tcPr marL="65161" marR="65161" marT="0" marB="0"/>
+                </a:tc>
+                <a:tc>
+                  <a:txBody>
+                    <a:bodyPr/>
+                    <a:lstStyle/>
+                    <a:p>
+                      <a:pPr algn="just">
+                        <a:spcAft>
+                          <a:spcPts val="0"/>
+                        </a:spcAft>
+                      </a:pPr>
+                      <a:r>
+                        <a:rPr lang="pt-BR" sz="1100">
+                          <a:effectLst/>
+                        </a:rPr>
+                        <a:t>Verificação das credenciais e tentativas de conexão. </a:t>
+                      </a:r>
+                      <a:endParaRPr lang="pt-BR" sz="1100">
+                        <a:solidFill>
+                          <a:srgbClr val="000000"/>
+                        </a:solidFill>
+                        <a:effectLst/>
+                        <a:latin typeface="Times New Roman" panose="02020603050405020304" pitchFamily="18" charset="0"/>
+                        <a:ea typeface="Calibri" panose="020F0502020204030204" pitchFamily="34" charset="0"/>
+                        <a:cs typeface="Times New Roman" panose="02020603050405020304" pitchFamily="18" charset="0"/>
+                      </a:endParaRPr>
+                    </a:p>
+                  </a:txBody>
+                  <a:tcPr marL="65161" marR="65161" marT="0" marB="0"/>
+                </a:tc>
+                <a:tc>
+                  <a:txBody>
+                    <a:bodyPr/>
+                    <a:lstStyle/>
+                    <a:p>
+                      <a:pPr algn="just">
+                        <a:spcAft>
+                          <a:spcPts val="0"/>
+                        </a:spcAft>
+                      </a:pPr>
+                      <a:r>
+                        <a:rPr lang="pt-BR" sz="1100">
+                          <a:effectLst/>
+                        </a:rPr>
+                        <a:t>OAuth </a:t>
+                      </a:r>
+                      <a:endParaRPr lang="pt-BR" sz="1100">
+                        <a:solidFill>
+                          <a:srgbClr val="000000"/>
+                        </a:solidFill>
+                        <a:effectLst/>
+                        <a:latin typeface="Times New Roman" panose="02020603050405020304" pitchFamily="18" charset="0"/>
+                        <a:ea typeface="Calibri" panose="020F0502020204030204" pitchFamily="34" charset="0"/>
+                        <a:cs typeface="Times New Roman" panose="02020603050405020304" pitchFamily="18" charset="0"/>
+                      </a:endParaRPr>
+                    </a:p>
+                  </a:txBody>
+                  <a:tcPr marL="65161" marR="65161" marT="0" marB="0"/>
+                </a:tc>
+              </a:tr>
+              <a:tr h="323566">
+                <a:tc>
+                  <a:txBody>
+                    <a:bodyPr/>
+                    <a:lstStyle/>
+                    <a:p>
+                      <a:pPr algn="just">
+                        <a:spcAft>
+                          <a:spcPts val="0"/>
+                        </a:spcAft>
+                      </a:pPr>
+                      <a:r>
+                        <a:rPr lang="pt-BR" sz="1100" dirty="0">
+                          <a:solidFill>
+                            <a:schemeClr val="tx1">
+                              <a:lumMod val="95000"/>
+                              <a:lumOff val="5000"/>
+                            </a:schemeClr>
+                          </a:solidFill>
+                          <a:effectLst/>
+                        </a:rPr>
+                        <a:t>Alta disponibilidade </a:t>
+                      </a:r>
+                      <a:endParaRPr lang="pt-BR" sz="1100" dirty="0">
+                        <a:solidFill>
+                          <a:schemeClr val="tx1">
+                            <a:lumMod val="95000"/>
+                            <a:lumOff val="5000"/>
+                          </a:schemeClr>
+                        </a:solidFill>
+                        <a:effectLst/>
+                        <a:latin typeface="Times New Roman" panose="02020603050405020304" pitchFamily="18" charset="0"/>
+                        <a:ea typeface="Calibri" panose="020F0502020204030204" pitchFamily="34" charset="0"/>
+                        <a:cs typeface="Times New Roman" panose="02020603050405020304" pitchFamily="18" charset="0"/>
+                      </a:endParaRPr>
+                    </a:p>
+                  </a:txBody>
+                  <a:tcPr marL="65161" marR="65161" marT="0" marB="0"/>
+                </a:tc>
+                <a:tc>
+                  <a:txBody>
+                    <a:bodyPr/>
+                    <a:lstStyle/>
+                    <a:p>
+                      <a:pPr algn="just">
+                        <a:spcAft>
+                          <a:spcPts val="0"/>
+                        </a:spcAft>
+                      </a:pPr>
+                      <a:r>
+                        <a:rPr lang="pt-BR" sz="1100">
+                          <a:effectLst/>
+                        </a:rPr>
+                        <a:t>Balanceamento de carga dos serviços. </a:t>
+                      </a:r>
+                      <a:endParaRPr lang="pt-BR" sz="1100">
+                        <a:solidFill>
+                          <a:srgbClr val="000000"/>
+                        </a:solidFill>
+                        <a:effectLst/>
+                        <a:latin typeface="Times New Roman" panose="02020603050405020304" pitchFamily="18" charset="0"/>
+                        <a:ea typeface="Calibri" panose="020F0502020204030204" pitchFamily="34" charset="0"/>
+                        <a:cs typeface="Times New Roman" panose="02020603050405020304" pitchFamily="18" charset="0"/>
+                      </a:endParaRPr>
+                    </a:p>
+                  </a:txBody>
+                  <a:tcPr marL="65161" marR="65161" marT="0" marB="0"/>
+                </a:tc>
+                <a:tc>
+                  <a:txBody>
+                    <a:bodyPr/>
+                    <a:lstStyle/>
+                    <a:p>
+                      <a:pPr algn="just">
+                        <a:spcAft>
+                          <a:spcPts val="0"/>
+                        </a:spcAft>
+                      </a:pPr>
+                      <a:r>
+                        <a:rPr lang="pt-BR" sz="1100">
+                          <a:effectLst/>
+                        </a:rPr>
+                        <a:t>NGINX </a:t>
+                      </a:r>
+                      <a:endParaRPr lang="pt-BR" sz="1100">
+                        <a:solidFill>
+                          <a:srgbClr val="000000"/>
+                        </a:solidFill>
+                        <a:effectLst/>
+                        <a:latin typeface="Times New Roman" panose="02020603050405020304" pitchFamily="18" charset="0"/>
+                        <a:ea typeface="Calibri" panose="020F0502020204030204" pitchFamily="34" charset="0"/>
+                        <a:cs typeface="Times New Roman" panose="02020603050405020304" pitchFamily="18" charset="0"/>
+                      </a:endParaRPr>
+                    </a:p>
+                  </a:txBody>
+                  <a:tcPr marL="65161" marR="65161" marT="0" marB="0"/>
+                </a:tc>
+              </a:tr>
+              <a:tr h="170179">
+                <a:tc>
+                  <a:txBody>
+                    <a:bodyPr/>
+                    <a:lstStyle/>
+                    <a:p>
+                      <a:pPr algn="just">
+                        <a:spcAft>
+                          <a:spcPts val="0"/>
+                        </a:spcAft>
+                      </a:pPr>
+                      <a:r>
+                        <a:rPr lang="pt-BR" sz="1100" dirty="0">
+                          <a:solidFill>
+                            <a:schemeClr val="tx1">
+                              <a:lumMod val="95000"/>
+                              <a:lumOff val="5000"/>
+                            </a:schemeClr>
+                          </a:solidFill>
+                          <a:effectLst/>
+                        </a:rPr>
+                        <a:t>Descoberta </a:t>
+                      </a:r>
+                      <a:endParaRPr lang="pt-BR" sz="1100" dirty="0">
+                        <a:solidFill>
+                          <a:schemeClr val="tx1">
+                            <a:lumMod val="95000"/>
+                            <a:lumOff val="5000"/>
+                          </a:schemeClr>
+                        </a:solidFill>
+                        <a:effectLst/>
+                        <a:latin typeface="Times New Roman" panose="02020603050405020304" pitchFamily="18" charset="0"/>
+                        <a:ea typeface="Calibri" panose="020F0502020204030204" pitchFamily="34" charset="0"/>
+                        <a:cs typeface="Times New Roman" panose="02020603050405020304" pitchFamily="18" charset="0"/>
+                      </a:endParaRPr>
+                    </a:p>
+                  </a:txBody>
+                  <a:tcPr marL="65161" marR="65161" marT="0" marB="0"/>
+                </a:tc>
+                <a:tc>
+                  <a:txBody>
+                    <a:bodyPr/>
+                    <a:lstStyle/>
+                    <a:p>
+                      <a:pPr algn="just">
+                        <a:spcAft>
+                          <a:spcPts val="0"/>
+                        </a:spcAft>
+                      </a:pPr>
+                      <a:r>
+                        <a:rPr lang="pt-BR" sz="1100">
+                          <a:effectLst/>
+                        </a:rPr>
+                        <a:t>Registro de serviços. </a:t>
+                      </a:r>
+                      <a:endParaRPr lang="pt-BR" sz="1100">
+                        <a:solidFill>
+                          <a:srgbClr val="000000"/>
+                        </a:solidFill>
+                        <a:effectLst/>
+                        <a:latin typeface="Times New Roman" panose="02020603050405020304" pitchFamily="18" charset="0"/>
+                        <a:ea typeface="Calibri" panose="020F0502020204030204" pitchFamily="34" charset="0"/>
+                        <a:cs typeface="Times New Roman" panose="02020603050405020304" pitchFamily="18" charset="0"/>
+                      </a:endParaRPr>
+                    </a:p>
+                  </a:txBody>
+                  <a:tcPr marL="65161" marR="65161" marT="0" marB="0"/>
+                </a:tc>
+                <a:tc>
+                  <a:txBody>
+                    <a:bodyPr/>
+                    <a:lstStyle/>
+                    <a:p>
+                      <a:pPr algn="just">
+                        <a:spcAft>
+                          <a:spcPts val="0"/>
+                        </a:spcAft>
+                      </a:pPr>
+                      <a:r>
+                        <a:rPr lang="pt-BR" sz="1100">
+                          <a:effectLst/>
+                        </a:rPr>
+                        <a:t>NGINX </a:t>
+                      </a:r>
+                      <a:endParaRPr lang="pt-BR" sz="1100">
+                        <a:solidFill>
+                          <a:srgbClr val="000000"/>
+                        </a:solidFill>
+                        <a:effectLst/>
+                        <a:latin typeface="Times New Roman" panose="02020603050405020304" pitchFamily="18" charset="0"/>
+                        <a:ea typeface="Calibri" panose="020F0502020204030204" pitchFamily="34" charset="0"/>
+                        <a:cs typeface="Times New Roman" panose="02020603050405020304" pitchFamily="18" charset="0"/>
+                      </a:endParaRPr>
+                    </a:p>
+                  </a:txBody>
+                  <a:tcPr marL="65161" marR="65161" marT="0" marB="0"/>
+                </a:tc>
+              </a:tr>
+              <a:tr h="323566">
+                <a:tc>
+                  <a:txBody>
+                    <a:bodyPr/>
+                    <a:lstStyle/>
+                    <a:p>
+                      <a:pPr algn="just">
+                        <a:spcAft>
+                          <a:spcPts val="0"/>
+                        </a:spcAft>
+                      </a:pPr>
+                      <a:r>
+                        <a:rPr lang="pt-BR" sz="1100" dirty="0">
+                          <a:solidFill>
+                            <a:schemeClr val="tx1">
+                              <a:lumMod val="95000"/>
+                              <a:lumOff val="5000"/>
+                            </a:schemeClr>
+                          </a:solidFill>
+                          <a:effectLst/>
+                        </a:rPr>
+                        <a:t>Sistema Operacional </a:t>
+                      </a:r>
+                      <a:endParaRPr lang="pt-BR" sz="1100" dirty="0">
+                        <a:solidFill>
+                          <a:schemeClr val="tx1">
+                            <a:lumMod val="95000"/>
+                            <a:lumOff val="5000"/>
+                          </a:schemeClr>
+                        </a:solidFill>
+                        <a:effectLst/>
+                        <a:latin typeface="Times New Roman" panose="02020603050405020304" pitchFamily="18" charset="0"/>
+                        <a:ea typeface="Calibri" panose="020F0502020204030204" pitchFamily="34" charset="0"/>
+                        <a:cs typeface="Times New Roman" panose="02020603050405020304" pitchFamily="18" charset="0"/>
+                      </a:endParaRPr>
+                    </a:p>
+                  </a:txBody>
+                  <a:tcPr marL="65161" marR="65161" marT="0" marB="0"/>
+                </a:tc>
+                <a:tc>
+                  <a:txBody>
+                    <a:bodyPr/>
+                    <a:lstStyle/>
+                    <a:p>
+                      <a:pPr algn="just">
+                        <a:spcAft>
+                          <a:spcPts val="0"/>
+                        </a:spcAft>
+                      </a:pPr>
+                      <a:r>
+                        <a:rPr lang="pt-BR" sz="1100">
+                          <a:effectLst/>
+                        </a:rPr>
+                        <a:t>Sistema que será executado nos servidores </a:t>
+                      </a:r>
+                      <a:endParaRPr lang="pt-BR" sz="1100">
+                        <a:solidFill>
+                          <a:srgbClr val="000000"/>
+                        </a:solidFill>
+                        <a:effectLst/>
+                        <a:latin typeface="Times New Roman" panose="02020603050405020304" pitchFamily="18" charset="0"/>
+                        <a:ea typeface="Calibri" panose="020F0502020204030204" pitchFamily="34" charset="0"/>
+                        <a:cs typeface="Times New Roman" panose="02020603050405020304" pitchFamily="18" charset="0"/>
+                      </a:endParaRPr>
+                    </a:p>
+                  </a:txBody>
+                  <a:tcPr marL="65161" marR="65161" marT="0" marB="0"/>
+                </a:tc>
+                <a:tc>
+                  <a:txBody>
+                    <a:bodyPr/>
+                    <a:lstStyle/>
+                    <a:p>
+                      <a:pPr algn="just">
+                        <a:spcAft>
+                          <a:spcPts val="0"/>
+                        </a:spcAft>
+                      </a:pPr>
+                      <a:r>
+                        <a:rPr lang="pt-BR" sz="1100" dirty="0" err="1">
+                          <a:effectLst/>
+                        </a:rPr>
+                        <a:t>CentOS</a:t>
+                      </a:r>
+                      <a:r>
+                        <a:rPr lang="pt-BR" sz="1100" dirty="0">
+                          <a:effectLst/>
+                        </a:rPr>
+                        <a:t> </a:t>
+                      </a:r>
+                      <a:endParaRPr lang="pt-BR" sz="1100" dirty="0">
+                        <a:solidFill>
+                          <a:srgbClr val="000000"/>
+                        </a:solidFill>
+                        <a:effectLst/>
+                        <a:latin typeface="Times New Roman" panose="02020603050405020304" pitchFamily="18" charset="0"/>
+                        <a:ea typeface="Calibri" panose="020F0502020204030204" pitchFamily="34" charset="0"/>
+                        <a:cs typeface="Times New Roman" panose="02020603050405020304" pitchFamily="18" charset="0"/>
+                      </a:endParaRPr>
+                    </a:p>
+                  </a:txBody>
+                  <a:tcPr marL="65161" marR="65161" marT="0" marB="0"/>
+                </a:tc>
+              </a:tr>
+            </a:tbl>
+          </a:graphicData>
+        </a:graphic>
+      </p:graphicFrame>
+      <p:sp>
+        <p:nvSpPr>
+          <p:cNvPr id="3" name="Rectangle 1"/>
+          <p:cNvSpPr>
+            <a:spLocks noChangeArrowheads="1"/>
+          </p:cNvSpPr>
+          <p:nvPr/>
+        </p:nvSpPr>
+        <p:spPr bwMode="auto">
+          <a:xfrm>
+            <a:off x="1793875" y="1812925"/>
+            <a:ext cx="9144000" cy="457200"/>
+          </a:xfrm>
+          <a:prstGeom prst="rect">
+            <a:avLst/>
+          </a:prstGeom>
+          <a:noFill/>
+          <a:ln>
+            <a:noFill/>
+          </a:ln>
+          <a:effectLst/>
+          <a:extLst>
+            <a:ext uri="{909E8E84-426E-40DD-AFC4-6F175D3DCCD1}">
+              <a14:hiddenFill xmlns:a14="http://schemas.microsoft.com/office/drawing/2010/main">
+                <a:solidFill>
+                  <a:schemeClr val="accent1"/>
+                </a:solidFill>
+              </a14:hiddenFill>
+            </a:ext>
+            <a:ext uri="{91240B29-F687-4F45-9708-019B960494DF}">
+              <a14:hiddenLine xmlns:a14="http://schemas.microsoft.com/office/drawing/2010/main" w="9525">
+                <a:solidFill>
+                  <a:schemeClr val="tx1"/>
+                </a:solidFill>
+                <a:miter lim="800000"/>
+                <a:headEnd/>
+                <a:tailEnd/>
+              </a14:hiddenLine>
+            </a:ext>
+            <a:ext uri="{AF507438-7753-43E0-B8FC-AC1667EBCBE1}">
+              <a14:hiddenEffects xmlns:a14="http://schemas.microsoft.com/office/drawing/2010/main">
+                <a:effectLst>
+                  <a:outerShdw dist="35921" dir="2700000" algn="ctr" rotWithShape="0">
+                    <a:schemeClr val="bg2"/>
+                  </a:outerShdw>
+                </a:effectLst>
+              </a14:hiddenEffects>
+            </a:ext>
+          </a:extLst>
+        </p:spPr>
+        <p:txBody>
+          <a:bodyPr vert="horz" wrap="none" lIns="91440" tIns="45720" rIns="91440" bIns="45720" numCol="1" anchor="ctr" anchorCtr="0" compatLnSpc="1">
+            <a:prstTxWarp prst="textNoShape">
+              <a:avLst/>
+            </a:prstTxWarp>
+            <a:spAutoFit/>
+          </a:bodyPr>
+          <a:lstStyle/>
+          <a:p>
+            <a:endParaRPr lang="pt-BR"/>
           </a:p>
         </p:txBody>
       </p:sp>
@@ -6256,6 +8611,13 @@
   <p:clrMapOvr>
     <a:masterClrMapping/>
   </p:clrMapOvr>
+  <p:timing>
+    <p:tnLst>
+      <p:par>
+        <p:cTn id="1" dur="indefinite" restart="never" nodeType="tmRoot"/>
+      </p:par>
+    </p:tnLst>
+  </p:timing>
 </p:sld>
 </file>
 
@@ -6355,14 +8717,14 @@
           </a:ln>
           <a:extLst>
             <a:ext uri="{909E8E84-426E-40dd-AFC4-6F175D3DCCD1}">
-              <a14:hiddenFill xmlns:a14="http://schemas.microsoft.com/office/drawing/2010/main" xmlns="">
+              <a14:hiddenFill xmlns="" xmlns:a14="http://schemas.microsoft.com/office/drawing/2010/main">
                 <a:solidFill>
                   <a:srgbClr val="FFFFFF"/>
                 </a:solidFill>
               </a14:hiddenFill>
             </a:ext>
             <a:ext uri="{91240B29-F687-4f45-9708-019B960494DF}">
-              <a14:hiddenLine xmlns:a14="http://schemas.microsoft.com/office/drawing/2010/main" xmlns="" w="9525">
+              <a14:hiddenLine xmlns="" xmlns:a14="http://schemas.microsoft.com/office/drawing/2010/main" w="9525">
                 <a:solidFill>
                   <a:srgbClr val="000000"/>
                 </a:solidFill>
@@ -6511,14 +8873,14 @@
           <a:effectLst/>
           <a:extLst>
             <a:ext uri="{909E8E84-426E-40dd-AFC4-6F175D3DCCD1}">
-              <a14:hiddenFill xmlns:a14="http://schemas.microsoft.com/office/drawing/2010/main" xmlns="">
+              <a14:hiddenFill xmlns="" xmlns:a14="http://schemas.microsoft.com/office/drawing/2010/main">
                 <a:solidFill>
                   <a:schemeClr val="accent1"/>
                 </a:solidFill>
               </a14:hiddenFill>
             </a:ext>
             <a:ext uri="{91240B29-F687-4f45-9708-019B960494DF}">
-              <a14:hiddenLine xmlns:a14="http://schemas.microsoft.com/office/drawing/2010/main" xmlns="" w="9525" algn="ctr">
+              <a14:hiddenLine xmlns="" xmlns:a14="http://schemas.microsoft.com/office/drawing/2010/main" w="9525" algn="ctr">
                 <a:solidFill>
                   <a:schemeClr val="tx1"/>
                 </a:solidFill>
@@ -6528,7 +8890,7 @@
               </a14:hiddenLine>
             </a:ext>
             <a:ext uri="{AF507438-7753-43e0-B8FC-AC1667EBCBE1}">
-              <a14:hiddenEffects xmlns:a14="http://schemas.microsoft.com/office/drawing/2010/main" xmlns="">
+              <a14:hiddenEffects xmlns="" xmlns:a14="http://schemas.microsoft.com/office/drawing/2010/main">
                 <a:effectLst>
                   <a:outerShdw dist="35921" dir="2700000" algn="ctr" rotWithShape="0">
                     <a:schemeClr val="bg2"/>
@@ -6564,8 +8926,43 @@
                 </a:solidFill>
                 <a:latin typeface="Calibri" pitchFamily="34" charset="0"/>
               </a:rPr>
-              <a:t>Apresentação dos componentes usados na construção da arquitetura. A explicação não deve se concentrar no que é cada componente, mas porque ele foi escolhido. (diagrama)</a:t>
-            </a:r>
+              <a:t>Apresentação dos componentes usados na construção da arquitetura. A explicação não deve se concentrar no que é cada componente, mas porque ele foi escolhido. (diagrama</a:t>
+            </a:r>
+            <a:r>
+              <a:rPr lang="pt-BR" sz="2300" b="1" dirty="0" smtClean="0">
+                <a:solidFill>
+                  <a:schemeClr val="tx1">
+                    <a:lumMod val="75000"/>
+                    <a:lumOff val="25000"/>
+                  </a:schemeClr>
+                </a:solidFill>
+                <a:latin typeface="Calibri" pitchFamily="34" charset="0"/>
+              </a:rPr>
+              <a:t>)</a:t>
+            </a:r>
+          </a:p>
+          <a:p>
+            <a:pPr>
+              <a:lnSpc>
+                <a:spcPts val="2800"/>
+              </a:lnSpc>
+              <a:spcBef>
+                <a:spcPts val="400"/>
+              </a:spcBef>
+              <a:spcAft>
+                <a:spcPts val="400"/>
+              </a:spcAft>
+              <a:defRPr/>
+            </a:pPr>
+            <a:endParaRPr lang="pt-BR" sz="2300" b="1" dirty="0">
+              <a:solidFill>
+                <a:schemeClr val="tx1">
+                  <a:lumMod val="75000"/>
+                  <a:lumOff val="25000"/>
+                </a:schemeClr>
+              </a:solidFill>
+              <a:latin typeface="Calibri" pitchFamily="34" charset="0"/>
+            </a:endParaRPr>
           </a:p>
           <a:p>
             <a:pPr>
@@ -6666,14 +9063,14 @@
           </a:ln>
           <a:extLst>
             <a:ext uri="{909E8E84-426E-40dd-AFC4-6F175D3DCCD1}">
-              <a14:hiddenFill xmlns:a14="http://schemas.microsoft.com/office/drawing/2010/main" xmlns="">
+              <a14:hiddenFill xmlns="" xmlns:a14="http://schemas.microsoft.com/office/drawing/2010/main">
                 <a:solidFill>
                   <a:srgbClr val="FFFFFF"/>
                 </a:solidFill>
               </a14:hiddenFill>
             </a:ext>
             <a:ext uri="{91240B29-F687-4f45-9708-019B960494DF}">
-              <a14:hiddenLine xmlns:a14="http://schemas.microsoft.com/office/drawing/2010/main" xmlns="" w="9525">
+              <a14:hiddenLine xmlns="" xmlns:a14="http://schemas.microsoft.com/office/drawing/2010/main" w="9525">
                 <a:solidFill>
                   <a:srgbClr val="000000"/>
                 </a:solidFill>
@@ -6793,32 +9190,59 @@
               </a:lnSpc>
             </a:pPr>
             <a:r>
+              <a:rPr lang="pt-BR" altLang="pt-BR" sz="2800" b="1" dirty="0" err="1">
+                <a:latin typeface="Calibri" charset="0"/>
+                <a:ea typeface="Calibri" charset="0"/>
+                <a:cs typeface="Calibri" charset="0"/>
+              </a:rPr>
+              <a:t>Ship</a:t>
+            </a:r>
+            <a:r>
               <a:rPr lang="pt-BR" altLang="pt-BR" sz="2800" b="1" dirty="0">
                 <a:latin typeface="Calibri" charset="0"/>
                 <a:ea typeface="Calibri" charset="0"/>
                 <a:cs typeface="Calibri" charset="0"/>
               </a:rPr>
-              <a:t>Título do trabalho (fonte </a:t>
-            </a:r>
-            <a:r>
-              <a:rPr lang="pt-BR" altLang="pt-BR" sz="2800" b="1" dirty="0" err="1">
-                <a:latin typeface="Calibri" charset="0"/>
-                <a:ea typeface="Calibri" charset="0"/>
-                <a:cs typeface="Calibri" charset="0"/>
-              </a:rPr>
-              <a:t>Calibri</a:t>
-            </a:r>
-            <a:r>
-              <a:rPr lang="pt-BR" altLang="pt-BR" sz="2800" b="1" dirty="0">
-                <a:latin typeface="Calibri" charset="0"/>
-                <a:ea typeface="Calibri" charset="0"/>
-                <a:cs typeface="Calibri" charset="0"/>
-              </a:rPr>
-              <a:t>, tamanho 28)</a:t>
-            </a:r>
+              <a:t> Shop Market</a:t>
+            </a:r>
+            <a:endParaRPr lang="pt-BR" altLang="pt-BR" sz="2800" b="1" dirty="0">
+              <a:latin typeface="Calibri" charset="0"/>
+              <a:ea typeface="Calibri" charset="0"/>
+              <a:cs typeface="Calibri" charset="0"/>
+            </a:endParaRPr>
           </a:p>
         </p:txBody>
       </p:sp>
+      <p:pic>
+        <p:nvPicPr>
+          <p:cNvPr id="2" name="Imagem 1"/>
+          <p:cNvPicPr>
+            <a:picLocks noChangeAspect="1"/>
+          </p:cNvPicPr>
+          <p:nvPr/>
+        </p:nvPicPr>
+        <p:blipFill>
+          <a:blip r:embed="rId2" cstate="print">
+            <a:extLst>
+              <a:ext uri="{28A0092B-C50C-407E-A947-70E740481C1C}">
+                <a14:useLocalDpi xmlns:a14="http://schemas.microsoft.com/office/drawing/2010/main" val="0"/>
+              </a:ext>
+            </a:extLst>
+          </a:blip>
+          <a:stretch>
+            <a:fillRect/>
+          </a:stretch>
+        </p:blipFill>
+        <p:spPr>
+          <a:xfrm>
+            <a:off x="21431" y="1674813"/>
+            <a:ext cx="9122569" cy="3934953"/>
+          </a:xfrm>
+          <a:prstGeom prst="rect">
+            <a:avLst/>
+          </a:prstGeom>
+        </p:spPr>
+      </p:pic>
     </p:spTree>
     <p:extLst>
       <p:ext uri="{BB962C8B-B14F-4D97-AF65-F5344CB8AC3E}">
@@ -6829,6 +9253,13 @@
   <p:clrMapOvr>
     <a:masterClrMapping/>
   </p:clrMapOvr>
+  <p:timing>
+    <p:tnLst>
+      <p:par>
+        <p:cTn id="1" dur="indefinite" restart="never" nodeType="tmRoot"/>
+      </p:par>
+    </p:tnLst>
+  </p:timing>
 </p:sld>
 </file>
 
@@ -6928,14 +9359,14 @@
           </a:ln>
           <a:extLst>
             <a:ext uri="{909E8E84-426E-40dd-AFC4-6F175D3DCCD1}">
-              <a14:hiddenFill xmlns:a14="http://schemas.microsoft.com/office/drawing/2010/main" xmlns="">
+              <a14:hiddenFill xmlns="" xmlns:a14="http://schemas.microsoft.com/office/drawing/2010/main">
                 <a:solidFill>
                   <a:srgbClr val="FFFFFF"/>
                 </a:solidFill>
               </a14:hiddenFill>
             </a:ext>
             <a:ext uri="{91240B29-F687-4f45-9708-019B960494DF}">
-              <a14:hiddenLine xmlns:a14="http://schemas.microsoft.com/office/drawing/2010/main" xmlns="" w="9525">
+              <a14:hiddenLine xmlns="" xmlns:a14="http://schemas.microsoft.com/office/drawing/2010/main" w="9525">
                 <a:solidFill>
                   <a:srgbClr val="000000"/>
                 </a:solidFill>
@@ -7084,14 +9515,14 @@
           <a:effectLst/>
           <a:extLst>
             <a:ext uri="{909E8E84-426E-40dd-AFC4-6F175D3DCCD1}">
-              <a14:hiddenFill xmlns:a14="http://schemas.microsoft.com/office/drawing/2010/main" xmlns="">
+              <a14:hiddenFill xmlns="" xmlns:a14="http://schemas.microsoft.com/office/drawing/2010/main">
                 <a:solidFill>
                   <a:schemeClr val="accent1"/>
                 </a:solidFill>
               </a14:hiddenFill>
             </a:ext>
             <a:ext uri="{91240B29-F687-4f45-9708-019B960494DF}">
-              <a14:hiddenLine xmlns:a14="http://schemas.microsoft.com/office/drawing/2010/main" xmlns="" w="9525" algn="ctr">
+              <a14:hiddenLine xmlns="" xmlns:a14="http://schemas.microsoft.com/office/drawing/2010/main" w="9525" algn="ctr">
                 <a:solidFill>
                   <a:schemeClr val="tx1"/>
                 </a:solidFill>
@@ -7101,7 +9532,7 @@
               </a14:hiddenLine>
             </a:ext>
             <a:ext uri="{AF507438-7753-43e0-B8FC-AC1667EBCBE1}">
-              <a14:hiddenEffects xmlns:a14="http://schemas.microsoft.com/office/drawing/2010/main" xmlns="">
+              <a14:hiddenEffects xmlns="" xmlns:a14="http://schemas.microsoft.com/office/drawing/2010/main">
                 <a:effectLst>
                   <a:outerShdw dist="35921" dir="2700000" algn="ctr" rotWithShape="0">
                     <a:schemeClr val="bg2"/>
@@ -7239,14 +9670,14 @@
           </a:ln>
           <a:extLst>
             <a:ext uri="{909E8E84-426E-40dd-AFC4-6F175D3DCCD1}">
-              <a14:hiddenFill xmlns:a14="http://schemas.microsoft.com/office/drawing/2010/main" xmlns="">
+              <a14:hiddenFill xmlns="" xmlns:a14="http://schemas.microsoft.com/office/drawing/2010/main">
                 <a:solidFill>
                   <a:srgbClr val="FFFFFF"/>
                 </a:solidFill>
               </a14:hiddenFill>
             </a:ext>
             <a:ext uri="{91240B29-F687-4f45-9708-019B960494DF}">
-              <a14:hiddenLine xmlns:a14="http://schemas.microsoft.com/office/drawing/2010/main" xmlns="" w="9525">
+              <a14:hiddenLine xmlns="" xmlns:a14="http://schemas.microsoft.com/office/drawing/2010/main" w="9525">
                 <a:solidFill>
                   <a:srgbClr val="000000"/>
                 </a:solidFill>
@@ -7366,32 +9797,59 @@
               </a:lnSpc>
             </a:pPr>
             <a:r>
+              <a:rPr lang="pt-BR" altLang="pt-BR" sz="2800" b="1" dirty="0" err="1">
+                <a:latin typeface="Calibri" charset="0"/>
+                <a:ea typeface="Calibri" charset="0"/>
+                <a:cs typeface="Calibri" charset="0"/>
+              </a:rPr>
+              <a:t>Ship</a:t>
+            </a:r>
+            <a:r>
               <a:rPr lang="pt-BR" altLang="pt-BR" sz="2800" b="1" dirty="0">
                 <a:latin typeface="Calibri" charset="0"/>
                 <a:ea typeface="Calibri" charset="0"/>
                 <a:cs typeface="Calibri" charset="0"/>
               </a:rPr>
-              <a:t>Título do trabalho (fonte </a:t>
-            </a:r>
-            <a:r>
-              <a:rPr lang="pt-BR" altLang="pt-BR" sz="2800" b="1" dirty="0" err="1">
-                <a:latin typeface="Calibri" charset="0"/>
-                <a:ea typeface="Calibri" charset="0"/>
-                <a:cs typeface="Calibri" charset="0"/>
-              </a:rPr>
-              <a:t>Calibri</a:t>
-            </a:r>
-            <a:r>
-              <a:rPr lang="pt-BR" altLang="pt-BR" sz="2800" b="1" dirty="0">
-                <a:latin typeface="Calibri" charset="0"/>
-                <a:ea typeface="Calibri" charset="0"/>
-                <a:cs typeface="Calibri" charset="0"/>
-              </a:rPr>
-              <a:t>, tamanho 28)</a:t>
-            </a:r>
+              <a:t> Shop Market</a:t>
+            </a:r>
+            <a:endParaRPr lang="pt-BR" altLang="pt-BR" sz="2800" b="1" dirty="0">
+              <a:latin typeface="Calibri" charset="0"/>
+              <a:ea typeface="Calibri" charset="0"/>
+              <a:cs typeface="Calibri" charset="0"/>
+            </a:endParaRPr>
           </a:p>
         </p:txBody>
       </p:sp>
+      <p:pic>
+        <p:nvPicPr>
+          <p:cNvPr id="2" name="Imagem 1"/>
+          <p:cNvPicPr>
+            <a:picLocks noChangeAspect="1"/>
+          </p:cNvPicPr>
+          <p:nvPr/>
+        </p:nvPicPr>
+        <p:blipFill>
+          <a:blip r:embed="rId2" cstate="print">
+            <a:extLst>
+              <a:ext uri="{28A0092B-C50C-407E-A947-70E740481C1C}">
+                <a14:useLocalDpi xmlns:a14="http://schemas.microsoft.com/office/drawing/2010/main" val="0"/>
+              </a:ext>
+            </a:extLst>
+          </a:blip>
+          <a:stretch>
+            <a:fillRect/>
+          </a:stretch>
+        </p:blipFill>
+        <p:spPr>
+          <a:xfrm>
+            <a:off x="0" y="1666876"/>
+            <a:ext cx="9144000" cy="4474618"/>
+          </a:xfrm>
+          <a:prstGeom prst="rect">
+            <a:avLst/>
+          </a:prstGeom>
+        </p:spPr>
+      </p:pic>
     </p:spTree>
     <p:extLst>
       <p:ext uri="{BB962C8B-B14F-4D97-AF65-F5344CB8AC3E}">
@@ -7402,6 +9860,13 @@
   <p:clrMapOvr>
     <a:masterClrMapping/>
   </p:clrMapOvr>
+  <p:timing>
+    <p:tnLst>
+      <p:par>
+        <p:cTn id="1" dur="indefinite" restart="never" nodeType="tmRoot"/>
+      </p:par>
+    </p:tnLst>
+  </p:timing>
 </p:sld>
 </file>
 
@@ -7501,14 +9966,14 @@
           </a:ln>
           <a:extLst>
             <a:ext uri="{909E8E84-426E-40dd-AFC4-6F175D3DCCD1}">
-              <a14:hiddenFill xmlns:a14="http://schemas.microsoft.com/office/drawing/2010/main" xmlns="">
+              <a14:hiddenFill xmlns="" xmlns:a14="http://schemas.microsoft.com/office/drawing/2010/main">
                 <a:solidFill>
                   <a:srgbClr val="FFFFFF"/>
                 </a:solidFill>
               </a14:hiddenFill>
             </a:ext>
             <a:ext uri="{91240B29-F687-4f45-9708-019B960494DF}">
-              <a14:hiddenLine xmlns:a14="http://schemas.microsoft.com/office/drawing/2010/main" xmlns="" w="9525">
+              <a14:hiddenLine xmlns="" xmlns:a14="http://schemas.microsoft.com/office/drawing/2010/main" w="9525">
                 <a:solidFill>
                   <a:srgbClr val="000000"/>
                 </a:solidFill>
@@ -7657,14 +10122,14 @@
           <a:effectLst/>
           <a:extLst>
             <a:ext uri="{909E8E84-426E-40dd-AFC4-6F175D3DCCD1}">
-              <a14:hiddenFill xmlns:a14="http://schemas.microsoft.com/office/drawing/2010/main" xmlns="">
+              <a14:hiddenFill xmlns="" xmlns:a14="http://schemas.microsoft.com/office/drawing/2010/main">
                 <a:solidFill>
                   <a:schemeClr val="accent1"/>
                 </a:solidFill>
               </a14:hiddenFill>
             </a:ext>
             <a:ext uri="{91240B29-F687-4f45-9708-019B960494DF}">
-              <a14:hiddenLine xmlns:a14="http://schemas.microsoft.com/office/drawing/2010/main" xmlns="" w="9525" algn="ctr">
+              <a14:hiddenLine xmlns="" xmlns:a14="http://schemas.microsoft.com/office/drawing/2010/main" w="9525" algn="ctr">
                 <a:solidFill>
                   <a:schemeClr val="tx1"/>
                 </a:solidFill>
@@ -7674,7 +10139,7 @@
               </a14:hiddenLine>
             </a:ext>
             <a:ext uri="{AF507438-7753-43e0-B8FC-AC1667EBCBE1}">
-              <a14:hiddenEffects xmlns:a14="http://schemas.microsoft.com/office/drawing/2010/main" xmlns="">
+              <a14:hiddenEffects xmlns="" xmlns:a14="http://schemas.microsoft.com/office/drawing/2010/main">
                 <a:effectLst>
                   <a:outerShdw dist="35921" dir="2700000" algn="ctr" rotWithShape="0">
                     <a:schemeClr val="bg2"/>
@@ -7700,42 +10165,15 @@
               </a:spcAft>
               <a:defRPr/>
             </a:pPr>
-            <a:r>
-              <a:rPr lang="pt-BR" sz="2300" b="1" dirty="0">
-                <a:solidFill>
-                  <a:schemeClr val="tx1">
-                    <a:lumMod val="75000"/>
-                    <a:lumOff val="25000"/>
-                  </a:schemeClr>
-                </a:solidFill>
-                <a:latin typeface="Calibri" pitchFamily="34" charset="0"/>
-              </a:rPr>
-              <a:t>Vídeo (</a:t>
-            </a:r>
-            <a:r>
-              <a:rPr lang="pt-BR" sz="2300" b="1" i="1" dirty="0" err="1">
-                <a:solidFill>
-                  <a:schemeClr val="tx1">
-                    <a:lumMod val="75000"/>
-                    <a:lumOff val="25000"/>
-                  </a:schemeClr>
-                </a:solidFill>
-                <a:latin typeface="Calibri" pitchFamily="34" charset="0"/>
-              </a:rPr>
-              <a:t>screencast</a:t>
-            </a:r>
-            <a:r>
-              <a:rPr lang="pt-BR" sz="2300" b="1" dirty="0">
-                <a:solidFill>
-                  <a:schemeClr val="tx1">
-                    <a:lumMod val="75000"/>
-                    <a:lumOff val="25000"/>
-                  </a:schemeClr>
-                </a:solidFill>
-                <a:latin typeface="Calibri" pitchFamily="34" charset="0"/>
-              </a:rPr>
-              <a:t>) de apresentação da aplicação web.</a:t>
-            </a:r>
+            <a:endParaRPr lang="pt-BR" sz="2300" b="1" dirty="0" smtClean="0">
+              <a:solidFill>
+                <a:schemeClr val="tx1">
+                  <a:lumMod val="75000"/>
+                  <a:lumOff val="25000"/>
+                </a:schemeClr>
+              </a:solidFill>
+              <a:latin typeface="Calibri" pitchFamily="34" charset="0"/>
+            </a:endParaRPr>
           </a:p>
           <a:p>
             <a:pPr>
@@ -7751,29 +10189,10 @@
               <a:defRPr/>
             </a:pPr>
             <a:r>
-              <a:rPr lang="pt-BR" sz="2300" b="1" dirty="0">
-                <a:solidFill>
-                  <a:schemeClr val="tx1">
-                    <a:lumMod val="75000"/>
-                    <a:lumOff val="25000"/>
-                  </a:schemeClr>
-                </a:solidFill>
-                <a:latin typeface="Calibri" pitchFamily="34" charset="0"/>
-              </a:rPr>
-              <a:t>Sugestão de gravador de tela: </a:t>
-            </a:r>
-            <a:r>
-              <a:rPr lang="pt-BR" sz="2300" b="1" dirty="0">
-                <a:solidFill>
-                  <a:schemeClr val="tx1">
-                    <a:lumMod val="75000"/>
-                    <a:lumOff val="25000"/>
-                  </a:schemeClr>
-                </a:solidFill>
-                <a:latin typeface="Calibri" pitchFamily="34" charset="0"/>
+              <a:rPr lang="pt-BR" sz="2400" dirty="0">
                 <a:hlinkClick r:id="rId2"/>
               </a:rPr>
-              <a:t>http://www.screenr.com</a:t>
+              <a:t>https://www.youtube.com/watch?v=NRdAN6Dn2Z4</a:t>
             </a:r>
             <a:endParaRPr lang="pt-BR" sz="2300" b="1" dirty="0">
               <a:solidFill>
@@ -7798,8 +10217,31 @@
               </a:spcAft>
               <a:defRPr/>
             </a:pPr>
-            <a:r>
-              <a:rPr lang="pt-BR" sz="2300" b="1" dirty="0">
+            <a:endParaRPr lang="pt-BR" sz="2300" b="1" dirty="0" smtClean="0">
+              <a:solidFill>
+                <a:schemeClr val="tx1">
+                  <a:lumMod val="75000"/>
+                  <a:lumOff val="25000"/>
+                </a:schemeClr>
+              </a:solidFill>
+              <a:latin typeface="Calibri" pitchFamily="34" charset="0"/>
+            </a:endParaRPr>
+          </a:p>
+          <a:p>
+            <a:pPr>
+              <a:lnSpc>
+                <a:spcPts val="2800"/>
+              </a:lnSpc>
+              <a:spcBef>
+                <a:spcPts val="400"/>
+              </a:spcBef>
+              <a:spcAft>
+                <a:spcPts val="400"/>
+              </a:spcAft>
+              <a:defRPr/>
+            </a:pPr>
+            <a:r>
+              <a:rPr lang="pt-BR" sz="2300" b="1" dirty="0" smtClean="0">
                 <a:solidFill>
                   <a:schemeClr val="tx1">
                     <a:lumMod val="75000"/>
@@ -7808,7 +10250,19 @@
                 </a:solidFill>
                 <a:latin typeface="Calibri" pitchFamily="34" charset="0"/>
               </a:rPr>
-              <a:t>Duração: 2’00” </a:t>
+              <a:t>Duração</a:t>
+            </a:r>
+            <a:r>
+              <a:rPr lang="pt-BR" sz="2300" b="1" dirty="0">
+                <a:solidFill>
+                  <a:schemeClr val="tx1">
+                    <a:lumMod val="75000"/>
+                    <a:lumOff val="25000"/>
+                  </a:schemeClr>
+                </a:solidFill>
+                <a:latin typeface="Calibri" pitchFamily="34" charset="0"/>
+              </a:rPr>
+              <a:t>: 2’00” </a:t>
             </a:r>
           </a:p>
           <a:p>
@@ -7881,14 +10335,14 @@
           </a:ln>
           <a:extLst>
             <a:ext uri="{909E8E84-426E-40dd-AFC4-6F175D3DCCD1}">
-              <a14:hiddenFill xmlns:a14="http://schemas.microsoft.com/office/drawing/2010/main" xmlns="">
+              <a14:hiddenFill xmlns="" xmlns:a14="http://schemas.microsoft.com/office/drawing/2010/main">
                 <a:solidFill>
                   <a:srgbClr val="FFFFFF"/>
                 </a:solidFill>
               </a14:hiddenFill>
             </a:ext>
             <a:ext uri="{91240B29-F687-4f45-9708-019B960494DF}">
-              <a14:hiddenLine xmlns:a14="http://schemas.microsoft.com/office/drawing/2010/main" xmlns="" w="9525">
+              <a14:hiddenLine xmlns="" xmlns:a14="http://schemas.microsoft.com/office/drawing/2010/main" w="9525">
                 <a:solidFill>
                   <a:srgbClr val="000000"/>
                 </a:solidFill>
@@ -8008,29 +10462,26 @@
               </a:lnSpc>
             </a:pPr>
             <a:r>
+              <a:rPr lang="pt-BR" altLang="pt-BR" sz="2800" b="1" dirty="0" err="1">
+                <a:latin typeface="Calibri" charset="0"/>
+                <a:ea typeface="Calibri" charset="0"/>
+                <a:cs typeface="Calibri" charset="0"/>
+              </a:rPr>
+              <a:t>Ship</a:t>
+            </a:r>
+            <a:r>
               <a:rPr lang="pt-BR" altLang="pt-BR" sz="2800" b="1" dirty="0">
                 <a:latin typeface="Calibri" charset="0"/>
                 <a:ea typeface="Calibri" charset="0"/>
                 <a:cs typeface="Calibri" charset="0"/>
               </a:rPr>
-              <a:t>Título do trabalho (fonte </a:t>
-            </a:r>
-            <a:r>
-              <a:rPr lang="pt-BR" altLang="pt-BR" sz="2800" b="1" dirty="0" err="1">
-                <a:latin typeface="Calibri" charset="0"/>
-                <a:ea typeface="Calibri" charset="0"/>
-                <a:cs typeface="Calibri" charset="0"/>
-              </a:rPr>
-              <a:t>Calibri</a:t>
-            </a:r>
-            <a:r>
-              <a:rPr lang="pt-BR" altLang="pt-BR" sz="2800" b="1" dirty="0">
-                <a:latin typeface="Calibri" charset="0"/>
-                <a:ea typeface="Calibri" charset="0"/>
-                <a:cs typeface="Calibri" charset="0"/>
-              </a:rPr>
-              <a:t>, tamanho 28)</a:t>
-            </a:r>
+              <a:t> Shop Market</a:t>
+            </a:r>
+            <a:endParaRPr lang="pt-BR" altLang="pt-BR" sz="2800" b="1" dirty="0">
+              <a:latin typeface="Calibri" charset="0"/>
+              <a:ea typeface="Calibri" charset="0"/>
+              <a:cs typeface="Calibri" charset="0"/>
+            </a:endParaRPr>
           </a:p>
         </p:txBody>
       </p:sp>
@@ -8039,6 +10490,13 @@
   <p:clrMapOvr>
     <a:masterClrMapping/>
   </p:clrMapOvr>
+  <p:timing>
+    <p:tnLst>
+      <p:par>
+        <p:cTn id="1" dur="indefinite" restart="never" nodeType="tmRoot"/>
+      </p:par>
+    </p:tnLst>
+  </p:timing>
 </p:sld>
 </file>
 

--- a/Enunciado e modelos/Orientação e Modelo para a Apresentação para a Banca/Apresentacao_projeto_arquitetural_TCC.pptx
+++ b/Enunciado e modelos/Orientação e Modelo para a Apresentação para a Banca/Apresentacao_projeto_arquitetural_TCC.pptx
@@ -2377,7 +2377,7 @@
                 </a:solidFill>
                 <a:latin typeface="Calibri" pitchFamily="34" charset="0"/>
               </a:rPr>
-              <a:t>Cenário 1: Interoperabilidade</a:t>
+              <a:t>Cenário 1: Usabilidade</a:t>
             </a:r>
           </a:p>
           <a:p>
@@ -2403,7 +2403,7 @@
                 </a:solidFill>
                 <a:latin typeface="Calibri" pitchFamily="34" charset="0"/>
               </a:rPr>
-              <a:t>Cenário 2: Usabilidade</a:t>
+              <a:t>Cenário 2: Acessibilidade</a:t>
             </a:r>
           </a:p>
           <a:p>
@@ -2429,8 +2429,29 @@
                 </a:solidFill>
                 <a:latin typeface="Calibri" pitchFamily="34" charset="0"/>
               </a:rPr>
-              <a:t>Cenário 3: Acessibilidade</a:t>
-            </a:r>
+              <a:t>Cenário 3: </a:t>
+            </a:r>
+            <a:r>
+              <a:rPr lang="pt-BR" sz="2300" b="1" dirty="0" err="1" smtClean="0">
+                <a:solidFill>
+                  <a:schemeClr val="tx1">
+                    <a:lumMod val="75000"/>
+                    <a:lumOff val="25000"/>
+                  </a:schemeClr>
+                </a:solidFill>
+                <a:latin typeface="Calibri" pitchFamily="34" charset="0"/>
+              </a:rPr>
+              <a:t>Manutenibilidade</a:t>
+            </a:r>
+            <a:endParaRPr lang="pt-BR" sz="2300" b="1" dirty="0" smtClean="0">
+              <a:solidFill>
+                <a:schemeClr val="tx1">
+                  <a:lumMod val="75000"/>
+                  <a:lumOff val="25000"/>
+                </a:schemeClr>
+              </a:solidFill>
+              <a:latin typeface="Calibri" pitchFamily="34" charset="0"/>
+            </a:endParaRPr>
           </a:p>
           <a:p>
             <a:pPr>
@@ -2455,10 +2476,10 @@
                 </a:solidFill>
                 <a:latin typeface="Calibri" pitchFamily="34" charset="0"/>
               </a:rPr>
-              <a:t>Cenário 4: </a:t>
-            </a:r>
-            <a:r>
-              <a:rPr lang="pt-BR" sz="2300" b="1" dirty="0" err="1" smtClean="0">
+              <a:t>Cenário 4</a:t>
+            </a:r>
+            <a:r>
+              <a:rPr lang="pt-BR" sz="2300" b="1" smtClean="0">
                 <a:solidFill>
                   <a:schemeClr val="tx1">
                     <a:lumMod val="75000"/>
@@ -2467,7 +2488,7 @@
                 </a:solidFill>
                 <a:latin typeface="Calibri" pitchFamily="34" charset="0"/>
               </a:rPr>
-              <a:t>Manutenibilidade</a:t>
+              <a:t>: Disponibilidade</a:t>
             </a:r>
             <a:endParaRPr lang="pt-BR" sz="2300" b="1" dirty="0" smtClean="0">
               <a:solidFill>
@@ -3864,7 +3885,7 @@
                 </a:solidFill>
                 <a:latin typeface="Calibri" pitchFamily="34" charset="0"/>
               </a:rPr>
-              <a:t> automatização </a:t>
+              <a:t> automatização d</a:t>
             </a:r>
             <a:r>
               <a:rPr lang="pt-BR" sz="2300" b="1" dirty="0" smtClean="0">
@@ -5212,7 +5233,7 @@
               <a:defRPr/>
             </a:pPr>
             <a:r>
-              <a:rPr lang="pt-BR" sz="2300" b="1" dirty="0" err="1" smtClean="0">
+              <a:rPr lang="pt-BR" sz="2300" b="1" dirty="0" smtClean="0">
                 <a:solidFill>
                   <a:schemeClr val="tx1">
                     <a:lumMod val="75000"/>
@@ -5221,17 +5242,8 @@
                 </a:solidFill>
                 <a:latin typeface="Calibri" pitchFamily="34" charset="0"/>
               </a:rPr>
-              <a:t>Usabildade</a:t>
-            </a:r>
-            <a:endParaRPr lang="pt-BR" sz="2300" b="1" dirty="0" smtClean="0">
-              <a:solidFill>
-                <a:schemeClr val="tx1">
-                  <a:lumMod val="75000"/>
-                  <a:lumOff val="25000"/>
-                </a:schemeClr>
-              </a:solidFill>
-              <a:latin typeface="Calibri" pitchFamily="34" charset="0"/>
-            </a:endParaRPr>
+              <a:t>O sistema deve prover boa experiência do usuário (UX)</a:t>
+            </a:r>
           </a:p>
           <a:p>
             <a:pPr marL="342900" indent="-342900">
@@ -5258,7 +5270,7 @@
                 </a:solidFill>
                 <a:latin typeface="Calibri" pitchFamily="34" charset="0"/>
               </a:rPr>
-              <a:t>Acessibilidade</a:t>
+              <a:t>O sistema deve ser responsivo (Web e Mobile)</a:t>
             </a:r>
           </a:p>
           <a:p>
@@ -5286,7 +5298,7 @@
                 </a:solidFill>
                 <a:latin typeface="Calibri" pitchFamily="34" charset="0"/>
               </a:rPr>
-              <a:t>Desempenho</a:t>
+              <a:t>O sistema deve ser rápido</a:t>
             </a:r>
           </a:p>
           <a:p>
@@ -5305,7 +5317,7 @@
               <a:defRPr/>
             </a:pPr>
             <a:r>
-              <a:rPr lang="pt-BR" sz="2300" b="1" dirty="0" err="1" smtClean="0">
+              <a:rPr lang="pt-BR" sz="2300" b="1" dirty="0" smtClean="0">
                 <a:solidFill>
                   <a:schemeClr val="tx1">
                     <a:lumMod val="75000"/>
@@ -5314,17 +5326,8 @@
                 </a:solidFill>
                 <a:latin typeface="Calibri" pitchFamily="34" charset="0"/>
               </a:rPr>
-              <a:t>Manutenibilidade</a:t>
-            </a:r>
-            <a:endParaRPr lang="pt-BR" sz="2300" b="1" dirty="0" smtClean="0">
-              <a:solidFill>
-                <a:schemeClr val="tx1">
-                  <a:lumMod val="75000"/>
-                  <a:lumOff val="25000"/>
-                </a:schemeClr>
-              </a:solidFill>
-              <a:latin typeface="Calibri" pitchFamily="34" charset="0"/>
-            </a:endParaRPr>
+              <a:t>O sistema deve prover manutenção facilitada</a:t>
+            </a:r>
           </a:p>
           <a:p>
             <a:pPr marL="342900" indent="-342900">
@@ -5342,7 +5345,7 @@
               <a:defRPr/>
             </a:pPr>
             <a:r>
-              <a:rPr lang="pt-BR" sz="2300" b="1" dirty="0" err="1" smtClean="0">
+              <a:rPr lang="pt-BR" sz="2300" b="1" dirty="0" smtClean="0">
                 <a:solidFill>
                   <a:schemeClr val="tx1">
                     <a:lumMod val="75000"/>
@@ -5351,17 +5354,8 @@
                 </a:solidFill>
                 <a:latin typeface="Calibri" pitchFamily="34" charset="0"/>
               </a:rPr>
-              <a:t>Testabilidade</a:t>
-            </a:r>
-            <a:endParaRPr lang="pt-BR" sz="2300" b="1" dirty="0" smtClean="0">
-              <a:solidFill>
-                <a:schemeClr val="tx1">
-                  <a:lumMod val="75000"/>
-                  <a:lumOff val="25000"/>
-                </a:schemeClr>
-              </a:solidFill>
-              <a:latin typeface="Calibri" pitchFamily="34" charset="0"/>
-            </a:endParaRPr>
+              <a:t>O sistema deve ser simples de testar</a:t>
+            </a:r>
           </a:p>
           <a:p>
             <a:pPr marL="342900" indent="-342900">
@@ -5388,7 +5382,7 @@
                 </a:solidFill>
                 <a:latin typeface="Calibri" pitchFamily="34" charset="0"/>
               </a:rPr>
-              <a:t>Interoperabilidade</a:t>
+              <a:t>O sistema deve ser comunicar com outros sistemas</a:t>
             </a:r>
           </a:p>
           <a:p>
@@ -5416,7 +5410,7 @@
                 </a:solidFill>
                 <a:latin typeface="Calibri" pitchFamily="34" charset="0"/>
               </a:rPr>
-              <a:t>Disponibilidade</a:t>
+              <a:t>O sistema deve operar 24/7</a:t>
             </a:r>
           </a:p>
           <a:p>
@@ -5444,7 +5438,7 @@
                 </a:solidFill>
                 <a:latin typeface="Calibri" pitchFamily="34" charset="0"/>
               </a:rPr>
-              <a:t>Segurança</a:t>
+              <a:t>O sistema deve apresentar altos padrões de segurança</a:t>
             </a:r>
             <a:endParaRPr lang="pt-BR" sz="2300" b="1" dirty="0" smtClean="0">
               <a:solidFill>
@@ -7067,7 +7061,7 @@
           <p:nvPr>
             <p:extLst>
               <p:ext uri="{D42A27DB-BD31-4B8C-83A1-F6EECF244321}">
-                <p14:modId xmlns:p14="http://schemas.microsoft.com/office/powerpoint/2010/main" val="864963390"/>
+                <p14:modId xmlns:p14="http://schemas.microsoft.com/office/powerpoint/2010/main" val="2685502042"/>
               </p:ext>
             </p:extLst>
           </p:nvPr>
@@ -7493,12 +7487,18 @@
                         </a:spcAft>
                       </a:pPr>
                       <a:r>
-                        <a:rPr lang="pt-BR" sz="1100">
+                        <a:rPr lang="pt-BR" sz="1100" dirty="0" err="1">
                           <a:effectLst/>
                         </a:rPr>
-                        <a:t>Mule </a:t>
+                        <a:t>Mule</a:t>
                       </a:r>
-                      <a:endParaRPr lang="pt-BR" sz="1100">
+                      <a:r>
+                        <a:rPr lang="pt-BR" sz="1100" dirty="0">
+                          <a:effectLst/>
+                        </a:rPr>
+                        <a:t> </a:t>
+                      </a:r>
+                      <a:endParaRPr lang="pt-BR" sz="1100" dirty="0">
                         <a:solidFill>
                           <a:srgbClr val="000000"/>
                         </a:solidFill>
@@ -7591,12 +7591,12 @@
                         </a:spcAft>
                       </a:pPr>
                       <a:r>
-                        <a:rPr lang="pt-BR" sz="1100">
+                        <a:rPr lang="pt-BR" sz="1100" dirty="0">
                           <a:effectLst/>
                         </a:rPr>
                         <a:t>log4J</a:t>
                       </a:r>
-                      <a:endParaRPr lang="pt-BR" sz="1100">
+                      <a:endParaRPr lang="pt-BR" sz="1100" dirty="0">
                         <a:solidFill>
                           <a:srgbClr val="000000"/>
                         </a:solidFill>
@@ -7689,12 +7689,12 @@
                         </a:spcAft>
                       </a:pPr>
                       <a:r>
-                        <a:rPr lang="pt-BR" sz="1100">
+                        <a:rPr lang="pt-BR" sz="1100" dirty="0">
                           <a:effectLst/>
                         </a:rPr>
                         <a:t>Redis </a:t>
                       </a:r>
-                      <a:endParaRPr lang="pt-BR" sz="1100">
+                      <a:endParaRPr lang="pt-BR" sz="1100" dirty="0">
                         <a:solidFill>
                           <a:srgbClr val="000000"/>
                         </a:solidFill>
@@ -7897,12 +7897,18 @@
                         </a:spcAft>
                       </a:pPr>
                       <a:r>
-                        <a:rPr lang="pt-BR" sz="1100">
+                        <a:rPr lang="pt-BR" sz="1100" dirty="0" err="1">
                           <a:effectLst/>
                         </a:rPr>
-                        <a:t>Jenkins </a:t>
+                        <a:t>Jenkins</a:t>
                       </a:r>
-                      <a:endParaRPr lang="pt-BR" sz="1100">
+                      <a:r>
+                        <a:rPr lang="pt-BR" sz="1100" dirty="0">
+                          <a:effectLst/>
+                        </a:rPr>
+                        <a:t> </a:t>
+                      </a:r>
+                      <a:endParaRPr lang="pt-BR" sz="1100" dirty="0">
                         <a:solidFill>
                           <a:srgbClr val="000000"/>
                         </a:solidFill>
@@ -8215,12 +8221,24 @@
                         </a:spcAft>
                       </a:pPr>
                       <a:r>
-                        <a:rPr lang="pt-BR" sz="1100">
+                        <a:rPr lang="pt-BR" sz="1100" dirty="0" err="1">
                           <a:effectLst/>
                         </a:rPr>
-                        <a:t>OAuth </a:t>
+                        <a:t>OAuth</a:t>
                       </a:r>
-                      <a:endParaRPr lang="pt-BR" sz="1100">
+                      <a:r>
+                        <a:rPr lang="pt-BR" sz="1100" dirty="0">
+                          <a:effectLst/>
+                        </a:rPr>
+                        <a:t> </a:t>
+                      </a:r>
+                      <a:r>
+                        <a:rPr lang="pt-BR" sz="1100" dirty="0" smtClean="0">
+                          <a:effectLst/>
+                        </a:rPr>
+                        <a:t>2</a:t>
+                      </a:r>
+                      <a:endParaRPr lang="pt-BR" sz="1100" dirty="0">
                         <a:solidFill>
                           <a:srgbClr val="000000"/>
                         </a:solidFill>
@@ -8411,12 +8429,12 @@
                         </a:spcAft>
                       </a:pPr>
                       <a:r>
-                        <a:rPr lang="pt-BR" sz="1100">
+                        <a:rPr lang="pt-BR" sz="1100" dirty="0" err="1" smtClean="0">
                           <a:effectLst/>
                         </a:rPr>
-                        <a:t>NGINX </a:t>
+                        <a:t>Eureka</a:t>
                       </a:r>
-                      <a:endParaRPr lang="pt-BR" sz="1100">
+                      <a:endParaRPr lang="pt-BR" sz="1100" dirty="0">
                         <a:solidFill>
                           <a:srgbClr val="000000"/>
                         </a:solidFill>
